--- a/Documents/FA2020_ParkHur_v2.pptx
+++ b/Documents/FA2020_ParkHur_v2.pptx
@@ -5,7 +5,7 @@
     <p:sldMasterId id="2147483648" r:id="rId1"/>
   </p:sldMasterIdLst>
   <p:notesMasterIdLst>
-    <p:notesMasterId r:id="rId25"/>
+    <p:notesMasterId r:id="rId26"/>
   </p:notesMasterIdLst>
   <p:sldIdLst>
     <p:sldId id="256" r:id="rId2"/>
@@ -27,33 +27,34 @@
     <p:sldId id="310" r:id="rId18"/>
     <p:sldId id="313" r:id="rId19"/>
     <p:sldId id="314" r:id="rId20"/>
-    <p:sldId id="315" r:id="rId21"/>
-    <p:sldId id="259" r:id="rId22"/>
-    <p:sldId id="321" r:id="rId23"/>
-    <p:sldId id="269" r:id="rId24"/>
+    <p:sldId id="323" r:id="rId21"/>
+    <p:sldId id="315" r:id="rId22"/>
+    <p:sldId id="259" r:id="rId23"/>
+    <p:sldId id="321" r:id="rId24"/>
+    <p:sldId id="269" r:id="rId25"/>
   </p:sldIdLst>
   <p:sldSz cx="12192000" cy="6858000"/>
   <p:notesSz cx="6858000" cy="9144000"/>
   <p:embeddedFontLst>
     <p:embeddedFont>
-      <p:font typeface="Malgun Gothic" panose="020B0503020000020004" pitchFamily="34" charset="-127"/>
-      <p:regular r:id="rId26"/>
-      <p:bold r:id="rId27"/>
+      <p:font typeface="맑은 고딕" panose="020B0503020000020004" pitchFamily="50" charset="-127"/>
+      <p:regular r:id="rId27"/>
+      <p:bold r:id="rId28"/>
     </p:embeddedFont>
     <p:embeddedFont>
       <p:font typeface="Calibri" panose="020F0502020204030204" pitchFamily="34" charset="0"/>
-      <p:regular r:id="rId28"/>
-      <p:bold r:id="rId29"/>
-      <p:italic r:id="rId30"/>
-      <p:boldItalic r:id="rId31"/>
+      <p:regular r:id="rId29"/>
+      <p:bold r:id="rId30"/>
+      <p:italic r:id="rId31"/>
+      <p:boldItalic r:id="rId32"/>
     </p:embeddedFont>
     <p:embeddedFont>
-      <p:font typeface="G마켓 산스 Bold" panose="02000000000000000000" pitchFamily="50" charset="-128"/>
-      <p:regular r:id="rId32"/>
+      <p:font typeface="G마켓 산스 Bold" panose="02000000000000000000" pitchFamily="50" charset="-127"/>
+      <p:regular r:id="rId33"/>
     </p:embeddedFont>
     <p:embeddedFont>
-      <p:font typeface="G마켓 산스 Medium" panose="02000000000000000000" pitchFamily="50" charset="-128"/>
-      <p:regular r:id="rId33"/>
+      <p:font typeface="G마켓 산스 Medium" panose="02000000000000000000" pitchFamily="50" charset="-127"/>
+      <p:regular r:id="rId34"/>
     </p:embeddedFont>
   </p:embeddedFontLst>
   <p:defaultTextStyle>
@@ -252,7 +253,7 @@
           <a:p>
             <a:fld id="{46EAB649-9F79-4FE6-A9D0-A59FE0623281}" type="datetimeFigureOut">
               <a:rPr lang="en-US" smtClean="0"/>
-              <a:t>10/11/2020</a:t>
+              <a:t>10/13/2020</a:t>
             </a:fld>
             <a:endParaRPr lang="en-US"/>
           </a:p>
@@ -1595,7 +1596,7 @@
           <a:p>
             <a:r>
               <a:rPr lang="en-US"/>
-              <a:t>Then, how about the 20s, 30s, and 60+? Interestingly, the trends are not so different in the predicted probabilities. The only different can be seen at the panel of “preferred without burdens.” The 20s, 30s, and 40s show greater variations in the predicted probabilities as the prospects of unification vary.</a:t>
+              <a:t>We estimate the predicted probabilities of each generation group that how their choices of the unification are conditional on the prospects of unification. The plot of the 50s and 60s shows that as the prospects become positive, they are less likely to choose “not preferred” and “Status quo.” Otherwise, as the prospects become positive, they are more likely to support unification.</a:t>
             </a:r>
           </a:p>
         </p:txBody>
@@ -1626,7 +1627,7 @@
     </p:spTree>
     <p:extLst>
       <p:ext uri="{BB962C8B-B14F-4D97-AF65-F5344CB8AC3E}">
-        <p14:creationId xmlns:p14="http://schemas.microsoft.com/office/powerpoint/2010/main" val="3749036729"/>
+        <p14:creationId xmlns:p14="http://schemas.microsoft.com/office/powerpoint/2010/main" val="3461839772"/>
       </p:ext>
     </p:extLst>
   </p:cSld>
@@ -1903,30 +1904,10 @@
           <a:bodyPr/>
           <a:lstStyle/>
           <a:p>
-            <a:pPr marL="0" marR="0" lvl="0" indent="0" algn="l" defTabSz="914400" rtl="0" eaLnBrk="1" fontAlgn="auto" latinLnBrk="0" hangingPunct="1">
-              <a:lnSpc>
-                <a:spcPct val="100000"/>
-              </a:lnSpc>
-              <a:spcBef>
-                <a:spcPts val="0"/>
-              </a:spcBef>
-              <a:spcAft>
-                <a:spcPts val="0"/>
-              </a:spcAft>
-              <a:buClrTx/>
-              <a:buSzTx/>
-              <a:buFontTx/>
-              <a:buNone/>
-              <a:tabLst/>
-              <a:defRPr/>
-            </a:pPr>
             <a:r>
               <a:rPr lang="en-US"/>
-              <a:t>In sum: [just read the slides.]</a:t>
-            </a:r>
-          </a:p>
-          <a:p>
-            <a:endParaRPr lang="en-US"/>
+              <a:t>Then, how about the 20s, 30s, and 60+? Interestingly, the trends are not so different in the predicted probabilities. The only different can be seen at the panel of “preferred without burdens.” The 20s, 30s, and 40s show greater variations in the predicted probabilities as the prospects of unification vary.</a:t>
+            </a:r>
           </a:p>
         </p:txBody>
       </p:sp>
@@ -1956,7 +1937,7 @@
     </p:spTree>
     <p:extLst>
       <p:ext uri="{BB962C8B-B14F-4D97-AF65-F5344CB8AC3E}">
-        <p14:creationId xmlns:p14="http://schemas.microsoft.com/office/powerpoint/2010/main" val="556403785"/>
+        <p14:creationId xmlns:p14="http://schemas.microsoft.com/office/powerpoint/2010/main" val="3749036729"/>
       </p:ext>
     </p:extLst>
   </p:cSld>
@@ -2010,6 +1991,113 @@
           <a:bodyPr/>
           <a:lstStyle/>
           <a:p>
+            <a:pPr marL="0" marR="0" lvl="0" indent="0" algn="l" defTabSz="914400" rtl="0" eaLnBrk="1" fontAlgn="auto" latinLnBrk="0" hangingPunct="1">
+              <a:lnSpc>
+                <a:spcPct val="100000"/>
+              </a:lnSpc>
+              <a:spcBef>
+                <a:spcPts val="0"/>
+              </a:spcBef>
+              <a:spcAft>
+                <a:spcPts val="0"/>
+              </a:spcAft>
+              <a:buClrTx/>
+              <a:buSzTx/>
+              <a:buFontTx/>
+              <a:buNone/>
+              <a:tabLst/>
+              <a:defRPr/>
+            </a:pPr>
+            <a:r>
+              <a:rPr lang="en-US"/>
+              <a:t>In sum: [just read the slides.]</a:t>
+            </a:r>
+          </a:p>
+          <a:p>
+            <a:endParaRPr lang="en-US"/>
+          </a:p>
+        </p:txBody>
+      </p:sp>
+      <p:sp>
+        <p:nvSpPr>
+          <p:cNvPr id="4" name="슬라이드 번호 개체 틀 3"/>
+          <p:cNvSpPr>
+            <a:spLocks noGrp="1"/>
+          </p:cNvSpPr>
+          <p:nvPr>
+            <p:ph type="sldNum" sz="quarter" idx="5"/>
+          </p:nvPr>
+        </p:nvSpPr>
+        <p:spPr/>
+        <p:txBody>
+          <a:bodyPr/>
+          <a:lstStyle/>
+          <a:p>
+            <a:fld id="{786BA361-ABBA-43FB-9596-0E4C6FCDFB0C}" type="slidenum">
+              <a:rPr lang="en-US" smtClean="0"/>
+              <a:t>22</a:t>
+            </a:fld>
+            <a:endParaRPr lang="en-US"/>
+          </a:p>
+        </p:txBody>
+      </p:sp>
+    </p:spTree>
+    <p:extLst>
+      <p:ext uri="{BB962C8B-B14F-4D97-AF65-F5344CB8AC3E}">
+        <p14:creationId xmlns:p14="http://schemas.microsoft.com/office/powerpoint/2010/main" val="556403785"/>
+      </p:ext>
+    </p:extLst>
+  </p:cSld>
+  <p:clrMapOvr>
+    <a:masterClrMapping/>
+  </p:clrMapOvr>
+</p:notes>
+</file>
+
+<file path=ppt/notesSlides/notesSlide22.xml><?xml version="1.0" encoding="utf-8"?>
+<p:notes xmlns:a="http://schemas.openxmlformats.org/drawingml/2006/main" xmlns:r="http://schemas.openxmlformats.org/officeDocument/2006/relationships" xmlns:p="http://schemas.openxmlformats.org/presentationml/2006/main">
+  <p:cSld>
+    <p:spTree>
+      <p:nvGrpSpPr>
+        <p:cNvPr id="1" name=""/>
+        <p:cNvGrpSpPr/>
+        <p:nvPr/>
+      </p:nvGrpSpPr>
+      <p:grpSpPr>
+        <a:xfrm>
+          <a:off x="0" y="0"/>
+          <a:ext cx="0" cy="0"/>
+          <a:chOff x="0" y="0"/>
+          <a:chExt cx="0" cy="0"/>
+        </a:xfrm>
+      </p:grpSpPr>
+      <p:sp>
+        <p:nvSpPr>
+          <p:cNvPr id="2" name="슬라이드 이미지 개체 틀 1"/>
+          <p:cNvSpPr>
+            <a:spLocks noGrp="1" noRot="1" noChangeAspect="1"/>
+          </p:cNvSpPr>
+          <p:nvPr>
+            <p:ph type="sldImg"/>
+          </p:nvPr>
+        </p:nvSpPr>
+        <p:spPr/>
+      </p:sp>
+      <p:sp>
+        <p:nvSpPr>
+          <p:cNvPr id="3" name="슬라이드 노트 개체 틀 2"/>
+          <p:cNvSpPr>
+            <a:spLocks noGrp="1"/>
+          </p:cNvSpPr>
+          <p:nvPr>
+            <p:ph type="body" idx="1"/>
+          </p:nvPr>
+        </p:nvSpPr>
+        <p:spPr/>
+        <p:txBody>
+          <a:bodyPr/>
+          <a:lstStyle/>
+          <a:p>
             <a:pPr>
               <a:lnSpc>
                 <a:spcPct val="120000"/>
@@ -2807,7 +2895,7 @@
           <a:p>
             <a:fld id="{786BA361-ABBA-43FB-9596-0E4C6FCDFB0C}" type="slidenum">
               <a:rPr lang="en-US" smtClean="0"/>
-              <a:t>22</a:t>
+              <a:t>23</a:t>
             </a:fld>
             <a:endParaRPr lang="en-US"/>
           </a:p>
@@ -3830,7 +3918,7 @@
           <a:p>
             <a:fld id="{34CA1A2D-AD2F-49FD-9C20-19E3B287DC5C}" type="datetimeFigureOut">
               <a:rPr lang="ko-KR" altLang="en-US" smtClean="0"/>
-              <a:t>2020-10-11</a:t>
+              <a:t>2020-10-13</a:t>
             </a:fld>
             <a:endParaRPr lang="ko-KR" altLang="en-US"/>
           </a:p>
@@ -3998,7 +4086,7 @@
           <a:p>
             <a:fld id="{34CA1A2D-AD2F-49FD-9C20-19E3B287DC5C}" type="datetimeFigureOut">
               <a:rPr lang="ko-KR" altLang="en-US" smtClean="0"/>
-              <a:t>2020-10-11</a:t>
+              <a:t>2020-10-13</a:t>
             </a:fld>
             <a:endParaRPr lang="ko-KR" altLang="en-US"/>
           </a:p>
@@ -4176,7 +4264,7 @@
           <a:p>
             <a:fld id="{34CA1A2D-AD2F-49FD-9C20-19E3B287DC5C}" type="datetimeFigureOut">
               <a:rPr lang="ko-KR" altLang="en-US" smtClean="0"/>
-              <a:t>2020-10-11</a:t>
+              <a:t>2020-10-13</a:t>
             </a:fld>
             <a:endParaRPr lang="ko-KR" altLang="en-US"/>
           </a:p>
@@ -4344,7 +4432,7 @@
           <a:p>
             <a:fld id="{34CA1A2D-AD2F-49FD-9C20-19E3B287DC5C}" type="datetimeFigureOut">
               <a:rPr lang="ko-KR" altLang="en-US" smtClean="0"/>
-              <a:t>2020-10-11</a:t>
+              <a:t>2020-10-13</a:t>
             </a:fld>
             <a:endParaRPr lang="ko-KR" altLang="en-US"/>
           </a:p>
@@ -4589,7 +4677,7 @@
           <a:p>
             <a:fld id="{34CA1A2D-AD2F-49FD-9C20-19E3B287DC5C}" type="datetimeFigureOut">
               <a:rPr lang="ko-KR" altLang="en-US" smtClean="0"/>
-              <a:t>2020-10-11</a:t>
+              <a:t>2020-10-13</a:t>
             </a:fld>
             <a:endParaRPr lang="ko-KR" altLang="en-US"/>
           </a:p>
@@ -4818,7 +4906,7 @@
           <a:p>
             <a:fld id="{34CA1A2D-AD2F-49FD-9C20-19E3B287DC5C}" type="datetimeFigureOut">
               <a:rPr lang="ko-KR" altLang="en-US" smtClean="0"/>
-              <a:t>2020-10-11</a:t>
+              <a:t>2020-10-13</a:t>
             </a:fld>
             <a:endParaRPr lang="ko-KR" altLang="en-US"/>
           </a:p>
@@ -5182,7 +5270,7 @@
           <a:p>
             <a:fld id="{34CA1A2D-AD2F-49FD-9C20-19E3B287DC5C}" type="datetimeFigureOut">
               <a:rPr lang="ko-KR" altLang="en-US" smtClean="0"/>
-              <a:t>2020-10-11</a:t>
+              <a:t>2020-10-13</a:t>
             </a:fld>
             <a:endParaRPr lang="ko-KR" altLang="en-US"/>
           </a:p>
@@ -5299,7 +5387,7 @@
           <a:p>
             <a:fld id="{34CA1A2D-AD2F-49FD-9C20-19E3B287DC5C}" type="datetimeFigureOut">
               <a:rPr lang="ko-KR" altLang="en-US" smtClean="0"/>
-              <a:t>2020-10-11</a:t>
+              <a:t>2020-10-13</a:t>
             </a:fld>
             <a:endParaRPr lang="ko-KR" altLang="en-US"/>
           </a:p>
@@ -5394,7 +5482,7 @@
           <a:p>
             <a:fld id="{34CA1A2D-AD2F-49FD-9C20-19E3B287DC5C}" type="datetimeFigureOut">
               <a:rPr lang="ko-KR" altLang="en-US" smtClean="0"/>
-              <a:t>2020-10-11</a:t>
+              <a:t>2020-10-13</a:t>
             </a:fld>
             <a:endParaRPr lang="ko-KR" altLang="en-US"/>
           </a:p>
@@ -5669,7 +5757,7 @@
           <a:p>
             <a:fld id="{34CA1A2D-AD2F-49FD-9C20-19E3B287DC5C}" type="datetimeFigureOut">
               <a:rPr lang="ko-KR" altLang="en-US" smtClean="0"/>
-              <a:t>2020-10-11</a:t>
+              <a:t>2020-10-13</a:t>
             </a:fld>
             <a:endParaRPr lang="ko-KR" altLang="en-US"/>
           </a:p>
@@ -5921,7 +6009,7 @@
           <a:p>
             <a:fld id="{34CA1A2D-AD2F-49FD-9C20-19E3B287DC5C}" type="datetimeFigureOut">
               <a:rPr lang="ko-KR" altLang="en-US" smtClean="0"/>
-              <a:t>2020-10-11</a:t>
+              <a:t>2020-10-13</a:t>
             </a:fld>
             <a:endParaRPr lang="ko-KR" altLang="en-US"/>
           </a:p>
@@ -6135,7 +6223,7 @@
           <a:p>
             <a:fld id="{34CA1A2D-AD2F-49FD-9C20-19E3B287DC5C}" type="datetimeFigureOut">
               <a:rPr lang="ko-KR" altLang="en-US" smtClean="0"/>
-              <a:t>2020-10-11</a:t>
+              <a:t>2020-10-13</a:t>
             </a:fld>
             <a:endParaRPr lang="ko-KR" altLang="en-US"/>
           </a:p>
@@ -12038,10 +12126,10 @@
       </p:sp>
       <p:pic>
         <p:nvPicPr>
-          <p:cNvPr id="5" name="그림 4">
+          <p:cNvPr id="7" name="그림 6">
             <a:extLst>
               <a:ext uri="{FF2B5EF4-FFF2-40B4-BE49-F238E27FC236}">
-                <a16:creationId xmlns:a16="http://schemas.microsoft.com/office/drawing/2014/main" id="{2CADD770-8F31-4976-95EE-584C03E7AB15}"/>
+                <a16:creationId xmlns:a16="http://schemas.microsoft.com/office/drawing/2014/main" id="{0ED04B78-B0A0-4051-A1D1-B5E48DFE12BC}"/>
               </a:ext>
             </a:extLst>
           </p:cNvPr>
@@ -12064,8 +12152,8 @@
         </p:blipFill>
         <p:spPr>
           <a:xfrm>
-            <a:off x="0" y="1574799"/>
-            <a:ext cx="12075886" cy="5283201"/>
+            <a:off x="0" y="1793231"/>
+            <a:ext cx="12192000" cy="5334001"/>
           </a:xfrm>
           <a:prstGeom prst="rect">
             <a:avLst/>
@@ -12086,8 +12174,8 @@
         </p:nvSpPr>
         <p:spPr>
           <a:xfrm>
-            <a:off x="3352800" y="1518242"/>
-            <a:ext cx="2627086" cy="5171438"/>
+            <a:off x="3402675" y="1518242"/>
+            <a:ext cx="3014268" cy="5334000"/>
           </a:xfrm>
           <a:prstGeom prst="rect">
             <a:avLst/>
@@ -12352,99 +12440,78 @@
           </a:p>
         </p:txBody>
       </p:sp>
-      <p:grpSp>
-        <p:nvGrpSpPr>
-          <p:cNvPr id="32" name="그룹 31">
+      <p:pic>
+        <p:nvPicPr>
+          <p:cNvPr id="6" name="그림 5">
             <a:extLst>
               <a:ext uri="{FF2B5EF4-FFF2-40B4-BE49-F238E27FC236}">
-                <a16:creationId xmlns:a16="http://schemas.microsoft.com/office/drawing/2014/main" id="{A22D7309-B6C8-4EE1-AD25-A6F98245B4B5}"/>
+                <a16:creationId xmlns:a16="http://schemas.microsoft.com/office/drawing/2014/main" id="{0DD7E291-DB9F-43E8-BBC8-48CCBCF604EE}"/>
               </a:ext>
             </a:extLst>
           </p:cNvPr>
-          <p:cNvGrpSpPr/>
+          <p:cNvPicPr>
+            <a:picLocks noChangeAspect="1"/>
+          </p:cNvPicPr>
           <p:nvPr/>
-        </p:nvGrpSpPr>
-        <p:grpSpPr>
+        </p:nvPicPr>
+        <p:blipFill>
+          <a:blip r:embed="rId3" cstate="print">
+            <a:extLst>
+              <a:ext uri="{28A0092B-C50C-407E-A947-70E740481C1C}">
+                <a14:useLocalDpi xmlns:a14="http://schemas.microsoft.com/office/drawing/2010/main" val="0"/>
+              </a:ext>
+            </a:extLst>
+          </a:blip>
+          <a:stretch>
+            <a:fillRect/>
+          </a:stretch>
+        </p:blipFill>
+        <p:spPr>
           <a:xfrm>
-            <a:off x="1894603" y="1793231"/>
-            <a:ext cx="7860659" cy="4620949"/>
-            <a:chOff x="1894603" y="1793231"/>
-            <a:chExt cx="7860659" cy="4620949"/>
+            <a:off x="1348367" y="1643602"/>
+            <a:ext cx="4364615" cy="5092051"/>
           </a:xfrm>
-        </p:grpSpPr>
-        <p:pic>
-          <p:nvPicPr>
-            <p:cNvPr id="22" name="그림 21">
-              <a:extLst>
-                <a:ext uri="{FF2B5EF4-FFF2-40B4-BE49-F238E27FC236}">
-                  <a16:creationId xmlns:a16="http://schemas.microsoft.com/office/drawing/2014/main" id="{39EF1A4A-38D3-42C6-AA35-61EBBF0B4B79}"/>
-                </a:ext>
-              </a:extLst>
-            </p:cNvPr>
-            <p:cNvPicPr>
-              <a:picLocks noChangeAspect="1"/>
-            </p:cNvPicPr>
-            <p:nvPr/>
-          </p:nvPicPr>
-          <p:blipFill>
-            <a:blip r:embed="rId3" cstate="print">
-              <a:extLst>
-                <a:ext uri="{28A0092B-C50C-407E-A947-70E740481C1C}">
-                  <a14:useLocalDpi xmlns:a14="http://schemas.microsoft.com/office/drawing/2010/main" val="0"/>
-                </a:ext>
-              </a:extLst>
-            </a:blip>
-            <a:stretch>
-              <a:fillRect/>
-            </a:stretch>
-          </p:blipFill>
-          <p:spPr>
-            <a:xfrm>
-              <a:off x="5824932" y="1793231"/>
-              <a:ext cx="3930330" cy="4585385"/>
-            </a:xfrm>
-            <a:prstGeom prst="rect">
-              <a:avLst/>
-            </a:prstGeom>
-          </p:spPr>
-        </p:pic>
-        <p:pic>
-          <p:nvPicPr>
-            <p:cNvPr id="31" name="그림 30">
-              <a:extLst>
-                <a:ext uri="{FF2B5EF4-FFF2-40B4-BE49-F238E27FC236}">
-                  <a16:creationId xmlns:a16="http://schemas.microsoft.com/office/drawing/2014/main" id="{5FF608F3-B8F9-4911-9AD3-E3A4D84AF0A1}"/>
-                </a:ext>
-              </a:extLst>
-            </p:cNvPr>
-            <p:cNvPicPr>
-              <a:picLocks noChangeAspect="1"/>
-            </p:cNvPicPr>
-            <p:nvPr/>
-          </p:nvPicPr>
-          <p:blipFill>
-            <a:blip r:embed="rId4" cstate="print">
-              <a:extLst>
-                <a:ext uri="{28A0092B-C50C-407E-A947-70E740481C1C}">
-                  <a14:useLocalDpi xmlns:a14="http://schemas.microsoft.com/office/drawing/2010/main" val="0"/>
-                </a:ext>
-              </a:extLst>
-            </a:blip>
-            <a:stretch>
-              <a:fillRect/>
-            </a:stretch>
-          </p:blipFill>
-          <p:spPr>
-            <a:xfrm>
-              <a:off x="1894603" y="1828796"/>
-              <a:ext cx="3930329" cy="4585384"/>
-            </a:xfrm>
-            <a:prstGeom prst="rect">
-              <a:avLst/>
-            </a:prstGeom>
-          </p:spPr>
-        </p:pic>
-      </p:grpSp>
+          <a:prstGeom prst="rect">
+            <a:avLst/>
+          </a:prstGeom>
+        </p:spPr>
+      </p:pic>
+      <p:pic>
+        <p:nvPicPr>
+          <p:cNvPr id="12" name="그림 11" descr="실내, 테이블, 컴퓨터, 앉아있는이(가) 표시된 사진&#10;&#10;자동 생성된 설명">
+            <a:extLst>
+              <a:ext uri="{FF2B5EF4-FFF2-40B4-BE49-F238E27FC236}">
+                <a16:creationId xmlns:a16="http://schemas.microsoft.com/office/drawing/2014/main" id="{2CA57188-D317-45CD-9B2E-78CD6795DB7B}"/>
+              </a:ext>
+            </a:extLst>
+          </p:cNvPr>
+          <p:cNvPicPr>
+            <a:picLocks noChangeAspect="1"/>
+          </p:cNvPicPr>
+          <p:nvPr/>
+        </p:nvPicPr>
+        <p:blipFill>
+          <a:blip r:embed="rId4" cstate="print">
+            <a:extLst>
+              <a:ext uri="{28A0092B-C50C-407E-A947-70E740481C1C}">
+                <a14:useLocalDpi xmlns:a14="http://schemas.microsoft.com/office/drawing/2010/main" val="0"/>
+              </a:ext>
+            </a:extLst>
+          </a:blip>
+          <a:stretch>
+            <a:fillRect/>
+          </a:stretch>
+        </p:blipFill>
+        <p:spPr>
+          <a:xfrm>
+            <a:off x="6096000" y="1643602"/>
+            <a:ext cx="4366286" cy="5094000"/>
+          </a:xfrm>
+          <a:prstGeom prst="rect">
+            <a:avLst/>
+          </a:prstGeom>
+        </p:spPr>
+      </p:pic>
     </p:spTree>
     <p:extLst>
       <p:ext uri="{BB962C8B-B14F-4D97-AF65-F5344CB8AC3E}">
@@ -13536,139 +13603,118 @@
           </a:p>
         </p:txBody>
       </p:sp>
-      <p:grpSp>
-        <p:nvGrpSpPr>
-          <p:cNvPr id="29" name="그룹 28">
+      <p:pic>
+        <p:nvPicPr>
+          <p:cNvPr id="6" name="그림 5">
             <a:extLst>
               <a:ext uri="{FF2B5EF4-FFF2-40B4-BE49-F238E27FC236}">
-                <a16:creationId xmlns:a16="http://schemas.microsoft.com/office/drawing/2014/main" id="{C4881481-0471-42E4-AB1B-C3A04411AE66}"/>
+                <a16:creationId xmlns:a16="http://schemas.microsoft.com/office/drawing/2014/main" id="{0DD7E291-DB9F-43E8-BBC8-48CCBCF604EE}"/>
               </a:ext>
             </a:extLst>
           </p:cNvPr>
-          <p:cNvGrpSpPr/>
+          <p:cNvPicPr>
+            <a:picLocks noChangeAspect="1"/>
+          </p:cNvPicPr>
           <p:nvPr/>
-        </p:nvGrpSpPr>
-        <p:grpSpPr>
+        </p:nvPicPr>
+        <p:blipFill>
+          <a:blip r:embed="rId3" cstate="print">
+            <a:extLst>
+              <a:ext uri="{28A0092B-C50C-407E-A947-70E740481C1C}">
+                <a14:useLocalDpi xmlns:a14="http://schemas.microsoft.com/office/drawing/2010/main" val="0"/>
+              </a:ext>
+            </a:extLst>
+          </a:blip>
+          <a:stretch>
+            <a:fillRect/>
+          </a:stretch>
+        </p:blipFill>
+        <p:spPr>
           <a:xfrm>
-            <a:off x="326568" y="1793231"/>
-            <a:ext cx="11538864" cy="4585385"/>
-            <a:chOff x="326568" y="1793231"/>
-            <a:chExt cx="11538864" cy="4585385"/>
+            <a:off x="4090287" y="1518242"/>
+            <a:ext cx="4011428" cy="4680000"/>
           </a:xfrm>
-        </p:grpSpPr>
-        <p:pic>
-          <p:nvPicPr>
-            <p:cNvPr id="16" name="그림 15">
-              <a:extLst>
-                <a:ext uri="{FF2B5EF4-FFF2-40B4-BE49-F238E27FC236}">
-                  <a16:creationId xmlns:a16="http://schemas.microsoft.com/office/drawing/2014/main" id="{AF3EDB0D-713D-4E0B-A63B-1D8282ADFD00}"/>
-                </a:ext>
-              </a:extLst>
-            </p:cNvPr>
-            <p:cNvPicPr>
-              <a:picLocks noChangeAspect="1"/>
-            </p:cNvPicPr>
-            <p:nvPr/>
-          </p:nvPicPr>
-          <p:blipFill>
-            <a:blip r:embed="rId3" cstate="print">
-              <a:extLst>
-                <a:ext uri="{28A0092B-C50C-407E-A947-70E740481C1C}">
-                  <a14:useLocalDpi xmlns:a14="http://schemas.microsoft.com/office/drawing/2010/main" val="0"/>
-                </a:ext>
-              </a:extLst>
-            </a:blip>
-            <a:stretch>
-              <a:fillRect/>
-            </a:stretch>
-          </p:blipFill>
-          <p:spPr>
-            <a:xfrm>
-              <a:off x="326568" y="1793231"/>
-              <a:ext cx="3930330" cy="4585385"/>
-            </a:xfrm>
-            <a:prstGeom prst="rect">
-              <a:avLst/>
-            </a:prstGeom>
-          </p:spPr>
-        </p:pic>
-        <p:pic>
-          <p:nvPicPr>
-            <p:cNvPr id="24" name="그림 23">
-              <a:extLst>
-                <a:ext uri="{FF2B5EF4-FFF2-40B4-BE49-F238E27FC236}">
-                  <a16:creationId xmlns:a16="http://schemas.microsoft.com/office/drawing/2014/main" id="{2CDF43CD-1B25-42C1-AEA3-9B418E08D8AF}"/>
-                </a:ext>
-              </a:extLst>
-            </p:cNvPr>
-            <p:cNvPicPr>
-              <a:picLocks noChangeAspect="1"/>
-            </p:cNvPicPr>
-            <p:nvPr/>
-          </p:nvPicPr>
-          <p:blipFill>
-            <a:blip r:embed="rId4" cstate="print">
-              <a:extLst>
-                <a:ext uri="{28A0092B-C50C-407E-A947-70E740481C1C}">
-                  <a14:useLocalDpi xmlns:a14="http://schemas.microsoft.com/office/drawing/2010/main" val="0"/>
-                </a:ext>
-              </a:extLst>
-            </a:blip>
-            <a:stretch>
-              <a:fillRect/>
-            </a:stretch>
-          </p:blipFill>
-          <p:spPr>
-            <a:xfrm>
-              <a:off x="4130837" y="1793231"/>
-              <a:ext cx="3930329" cy="4585384"/>
-            </a:xfrm>
-            <a:prstGeom prst="rect">
-              <a:avLst/>
-            </a:prstGeom>
-          </p:spPr>
-        </p:pic>
-        <p:pic>
-          <p:nvPicPr>
-            <p:cNvPr id="28" name="그림 27">
-              <a:extLst>
-                <a:ext uri="{FF2B5EF4-FFF2-40B4-BE49-F238E27FC236}">
-                  <a16:creationId xmlns:a16="http://schemas.microsoft.com/office/drawing/2014/main" id="{F5F30D02-F194-475B-8FB0-EBD0BE6D90F9}"/>
-                </a:ext>
-              </a:extLst>
-            </p:cNvPr>
-            <p:cNvPicPr>
-              <a:picLocks noChangeAspect="1"/>
-            </p:cNvPicPr>
-            <p:nvPr/>
-          </p:nvPicPr>
-          <p:blipFill>
-            <a:blip r:embed="rId5" cstate="print">
-              <a:extLst>
-                <a:ext uri="{28A0092B-C50C-407E-A947-70E740481C1C}">
-                  <a14:useLocalDpi xmlns:a14="http://schemas.microsoft.com/office/drawing/2010/main" val="0"/>
-                </a:ext>
-              </a:extLst>
-            </a:blip>
-            <a:stretch>
-              <a:fillRect/>
-            </a:stretch>
-          </p:blipFill>
-          <p:spPr>
-            <a:xfrm>
-              <a:off x="7935104" y="1793231"/>
-              <a:ext cx="3930328" cy="4585383"/>
-            </a:xfrm>
-            <a:prstGeom prst="rect">
-              <a:avLst/>
-            </a:prstGeom>
-          </p:spPr>
-        </p:pic>
-      </p:grpSp>
+          <a:prstGeom prst="rect">
+            <a:avLst/>
+          </a:prstGeom>
+        </p:spPr>
+      </p:pic>
+      <p:pic>
+        <p:nvPicPr>
+          <p:cNvPr id="12" name="그림 11" descr="실내, 테이블, 컴퓨터, 앉아있는이(가) 표시된 사진&#10;&#10;자동 생성된 설명">
+            <a:extLst>
+              <a:ext uri="{FF2B5EF4-FFF2-40B4-BE49-F238E27FC236}">
+                <a16:creationId xmlns:a16="http://schemas.microsoft.com/office/drawing/2014/main" id="{2CA57188-D317-45CD-9B2E-78CD6795DB7B}"/>
+              </a:ext>
+            </a:extLst>
+          </p:cNvPr>
+          <p:cNvPicPr>
+            <a:picLocks noChangeAspect="1"/>
+          </p:cNvPicPr>
+          <p:nvPr/>
+        </p:nvPicPr>
+        <p:blipFill>
+          <a:blip r:embed="rId4" cstate="print">
+            <a:extLst>
+              <a:ext uri="{28A0092B-C50C-407E-A947-70E740481C1C}">
+                <a14:useLocalDpi xmlns:a14="http://schemas.microsoft.com/office/drawing/2010/main" val="0"/>
+              </a:ext>
+            </a:extLst>
+          </a:blip>
+          <a:stretch>
+            <a:fillRect/>
+          </a:stretch>
+        </p:blipFill>
+        <p:spPr>
+          <a:xfrm>
+            <a:off x="8028177" y="1518242"/>
+            <a:ext cx="4011429" cy="4680000"/>
+          </a:xfrm>
+          <a:prstGeom prst="rect">
+            <a:avLst/>
+          </a:prstGeom>
+        </p:spPr>
+      </p:pic>
+      <p:pic>
+        <p:nvPicPr>
+          <p:cNvPr id="2" name="그림 1">
+            <a:extLst>
+              <a:ext uri="{FF2B5EF4-FFF2-40B4-BE49-F238E27FC236}">
+                <a16:creationId xmlns:a16="http://schemas.microsoft.com/office/drawing/2014/main" id="{51ABCB27-0EF0-4F0F-9562-5BA6E9003986}"/>
+              </a:ext>
+            </a:extLst>
+          </p:cNvPr>
+          <p:cNvPicPr>
+            <a:picLocks noChangeAspect="1"/>
+          </p:cNvPicPr>
+          <p:nvPr/>
+        </p:nvPicPr>
+        <p:blipFill>
+          <a:blip r:embed="rId5" cstate="print">
+            <a:extLst>
+              <a:ext uri="{28A0092B-C50C-407E-A947-70E740481C1C}">
+                <a14:useLocalDpi xmlns:a14="http://schemas.microsoft.com/office/drawing/2010/main" val="0"/>
+              </a:ext>
+            </a:extLst>
+          </a:blip>
+          <a:stretch>
+            <a:fillRect/>
+          </a:stretch>
+        </p:blipFill>
+        <p:spPr>
+          <a:xfrm>
+            <a:off x="152396" y="1518242"/>
+            <a:ext cx="4011429" cy="4680000"/>
+          </a:xfrm>
+          <a:prstGeom prst="rect">
+            <a:avLst/>
+          </a:prstGeom>
+        </p:spPr>
+      </p:pic>
     </p:spTree>
     <p:extLst>
       <p:ext uri="{BB962C8B-B14F-4D97-AF65-F5344CB8AC3E}">
-        <p14:creationId xmlns:p14="http://schemas.microsoft.com/office/powerpoint/2010/main" val="2380910994"/>
+        <p14:creationId xmlns:p14="http://schemas.microsoft.com/office/powerpoint/2010/main" val="1959956536"/>
       </p:ext>
     </p:extLst>
   </p:cSld>
@@ -13771,6 +13817,342 @@
         </p:nvSpPr>
         <p:spPr>
           <a:xfrm>
+            <a:off x="5824932" y="168320"/>
+            <a:ext cx="542136" cy="400110"/>
+          </a:xfrm>
+          <a:prstGeom prst="rect">
+            <a:avLst/>
+          </a:prstGeom>
+          <a:noFill/>
+        </p:spPr>
+        <p:txBody>
+          <a:bodyPr wrap="none" rtlCol="0">
+            <a:spAutoFit/>
+          </a:bodyPr>
+          <a:lstStyle/>
+          <a:p>
+            <a:pPr algn="ctr"/>
+            <a:r>
+              <a:rPr lang="en-US" sz="2000">
+                <a:ln>
+                  <a:solidFill>
+                    <a:schemeClr val="accent1">
+                      <a:alpha val="0"/>
+                    </a:schemeClr>
+                  </a:solidFill>
+                </a:ln>
+                <a:solidFill>
+                  <a:schemeClr val="bg1"/>
+                </a:solidFill>
+                <a:latin typeface="G마켓 산스 Bold" panose="02000000000000000000" pitchFamily="50" charset="-127"/>
+                <a:ea typeface="G마켓 산스 Bold" panose="02000000000000000000" pitchFamily="50" charset="-127"/>
+              </a:rPr>
+              <a:t>04</a:t>
+            </a:r>
+            <a:endParaRPr lang="en-US" sz="2000" dirty="0">
+              <a:ln>
+                <a:solidFill>
+                  <a:schemeClr val="accent1">
+                    <a:alpha val="0"/>
+                  </a:schemeClr>
+                </a:solidFill>
+              </a:ln>
+              <a:solidFill>
+                <a:schemeClr val="bg1"/>
+              </a:solidFill>
+              <a:latin typeface="G마켓 산스 Bold" panose="02000000000000000000" pitchFamily="50" charset="-127"/>
+              <a:ea typeface="G마켓 산스 Bold" panose="02000000000000000000" pitchFamily="50" charset="-127"/>
+            </a:endParaRPr>
+          </a:p>
+        </p:txBody>
+      </p:sp>
+      <p:sp>
+        <p:nvSpPr>
+          <p:cNvPr id="11" name="TextBox 10">
+            <a:extLst>
+              <a:ext uri="{FF2B5EF4-FFF2-40B4-BE49-F238E27FC236}">
+                <a16:creationId xmlns:a16="http://schemas.microsoft.com/office/drawing/2014/main" id="{0363BFF9-F95D-4452-97B2-A38422B82EA9}"/>
+              </a:ext>
+            </a:extLst>
+          </p:cNvPr>
+          <p:cNvSpPr txBox="1"/>
+          <p:nvPr/>
+        </p:nvSpPr>
+        <p:spPr>
+          <a:xfrm>
+            <a:off x="672898" y="982711"/>
+            <a:ext cx="10846238" cy="535531"/>
+          </a:xfrm>
+          <a:prstGeom prst="rect">
+            <a:avLst/>
+          </a:prstGeom>
+          <a:noFill/>
+        </p:spPr>
+        <p:txBody>
+          <a:bodyPr wrap="none" rtlCol="0">
+            <a:spAutoFit/>
+          </a:bodyPr>
+          <a:lstStyle/>
+          <a:p>
+            <a:pPr algn="ctr">
+              <a:lnSpc>
+                <a:spcPct val="120000"/>
+              </a:lnSpc>
+            </a:pPr>
+            <a:r>
+              <a:rPr lang="en-US" altLang="ko-KR" sz="2400" spc="-50">
+                <a:ln>
+                  <a:solidFill>
+                    <a:schemeClr val="accent1">
+                      <a:alpha val="0"/>
+                    </a:schemeClr>
+                  </a:solidFill>
+                </a:ln>
+                <a:solidFill>
+                  <a:schemeClr val="tx1">
+                    <a:lumMod val="75000"/>
+                    <a:lumOff val="25000"/>
+                  </a:schemeClr>
+                </a:solidFill>
+                <a:latin typeface="G마켓 산스 Bold" panose="02000000000000000000" pitchFamily="50" charset="-127"/>
+                <a:ea typeface="G마켓 산스 Bold" panose="02000000000000000000" pitchFamily="50" charset="-127"/>
+              </a:rPr>
+              <a:t>Attitudes toward Unification after the Panmunjom Declaration</a:t>
+            </a:r>
+            <a:endParaRPr lang="en-US" altLang="ko-KR" sz="2400" spc="-50" dirty="0">
+              <a:ln>
+                <a:solidFill>
+                  <a:schemeClr val="accent1">
+                    <a:alpha val="0"/>
+                  </a:schemeClr>
+                </a:solidFill>
+              </a:ln>
+              <a:solidFill>
+                <a:schemeClr val="tx1">
+                  <a:lumMod val="75000"/>
+                  <a:lumOff val="25000"/>
+                </a:schemeClr>
+              </a:solidFill>
+              <a:latin typeface="G마켓 산스 Bold" panose="02000000000000000000" pitchFamily="50" charset="-127"/>
+              <a:ea typeface="G마켓 산스 Bold" panose="02000000000000000000" pitchFamily="50" charset="-127"/>
+            </a:endParaRPr>
+          </a:p>
+        </p:txBody>
+      </p:sp>
+      <p:pic>
+        <p:nvPicPr>
+          <p:cNvPr id="3" name="그림 2">
+            <a:extLst>
+              <a:ext uri="{FF2B5EF4-FFF2-40B4-BE49-F238E27FC236}">
+                <a16:creationId xmlns:a16="http://schemas.microsoft.com/office/drawing/2014/main" id="{5E8BF1F0-0E96-4B23-B662-653D296BE07D}"/>
+              </a:ext>
+            </a:extLst>
+          </p:cNvPr>
+          <p:cNvPicPr>
+            <a:picLocks noChangeAspect="1"/>
+          </p:cNvPicPr>
+          <p:nvPr/>
+        </p:nvPicPr>
+        <p:blipFill>
+          <a:blip r:embed="rId3" cstate="print">
+            <a:extLst>
+              <a:ext uri="{28A0092B-C50C-407E-A947-70E740481C1C}">
+                <a14:useLocalDpi xmlns:a14="http://schemas.microsoft.com/office/drawing/2010/main" val="0"/>
+              </a:ext>
+            </a:extLst>
+          </a:blip>
+          <a:stretch>
+            <a:fillRect/>
+          </a:stretch>
+        </p:blipFill>
+        <p:spPr>
+          <a:xfrm>
+            <a:off x="152396" y="1518242"/>
+            <a:ext cx="4011429" cy="4680000"/>
+          </a:xfrm>
+          <a:prstGeom prst="rect">
+            <a:avLst/>
+          </a:prstGeom>
+        </p:spPr>
+      </p:pic>
+      <p:pic>
+        <p:nvPicPr>
+          <p:cNvPr id="5" name="그림 4">
+            <a:extLst>
+              <a:ext uri="{FF2B5EF4-FFF2-40B4-BE49-F238E27FC236}">
+                <a16:creationId xmlns:a16="http://schemas.microsoft.com/office/drawing/2014/main" id="{7FFA56C6-D2A6-43CE-AB36-8165D92D4654}"/>
+              </a:ext>
+            </a:extLst>
+          </p:cNvPr>
+          <p:cNvPicPr>
+            <a:picLocks noChangeAspect="1"/>
+          </p:cNvPicPr>
+          <p:nvPr/>
+        </p:nvPicPr>
+        <p:blipFill>
+          <a:blip r:embed="rId4" cstate="print">
+            <a:extLst>
+              <a:ext uri="{28A0092B-C50C-407E-A947-70E740481C1C}">
+                <a14:useLocalDpi xmlns:a14="http://schemas.microsoft.com/office/drawing/2010/main" val="0"/>
+              </a:ext>
+            </a:extLst>
+          </a:blip>
+          <a:stretch>
+            <a:fillRect/>
+          </a:stretch>
+        </p:blipFill>
+        <p:spPr>
+          <a:xfrm>
+            <a:off x="8028177" y="1518242"/>
+            <a:ext cx="4011429" cy="4680000"/>
+          </a:xfrm>
+          <a:prstGeom prst="rect">
+            <a:avLst/>
+          </a:prstGeom>
+        </p:spPr>
+      </p:pic>
+      <p:pic>
+        <p:nvPicPr>
+          <p:cNvPr id="7" name="그림 6">
+            <a:extLst>
+              <a:ext uri="{FF2B5EF4-FFF2-40B4-BE49-F238E27FC236}">
+                <a16:creationId xmlns:a16="http://schemas.microsoft.com/office/drawing/2014/main" id="{B4B9DA8E-EEE4-48E5-A3FE-16333B812120}"/>
+              </a:ext>
+            </a:extLst>
+          </p:cNvPr>
+          <p:cNvPicPr>
+            <a:picLocks noChangeAspect="1"/>
+          </p:cNvPicPr>
+          <p:nvPr/>
+        </p:nvPicPr>
+        <p:blipFill>
+          <a:blip r:embed="rId5" cstate="print">
+            <a:extLst>
+              <a:ext uri="{28A0092B-C50C-407E-A947-70E740481C1C}">
+                <a14:useLocalDpi xmlns:a14="http://schemas.microsoft.com/office/drawing/2010/main" val="0"/>
+              </a:ext>
+            </a:extLst>
+          </a:blip>
+          <a:stretch>
+            <a:fillRect/>
+          </a:stretch>
+        </p:blipFill>
+        <p:spPr>
+          <a:xfrm>
+            <a:off x="4090287" y="1518242"/>
+            <a:ext cx="4011429" cy="4680000"/>
+          </a:xfrm>
+          <a:prstGeom prst="rect">
+            <a:avLst/>
+          </a:prstGeom>
+        </p:spPr>
+      </p:pic>
+    </p:spTree>
+    <p:extLst>
+      <p:ext uri="{BB962C8B-B14F-4D97-AF65-F5344CB8AC3E}">
+        <p14:creationId xmlns:p14="http://schemas.microsoft.com/office/powerpoint/2010/main" val="2380910994"/>
+      </p:ext>
+    </p:extLst>
+  </p:cSld>
+  <p:clrMapOvr>
+    <a:masterClrMapping/>
+  </p:clrMapOvr>
+</p:sld>
+</file>
+
+<file path=ppt/slides/slide22.xml><?xml version="1.0" encoding="utf-8"?>
+<p:sld xmlns:a="http://schemas.openxmlformats.org/drawingml/2006/main" xmlns:r="http://schemas.openxmlformats.org/officeDocument/2006/relationships" xmlns:p="http://schemas.openxmlformats.org/presentationml/2006/main">
+  <p:cSld>
+    <p:spTree>
+      <p:nvGrpSpPr>
+        <p:cNvPr id="1" name=""/>
+        <p:cNvGrpSpPr/>
+        <p:nvPr/>
+      </p:nvGrpSpPr>
+      <p:grpSpPr>
+        <a:xfrm>
+          <a:off x="0" y="0"/>
+          <a:ext cx="0" cy="0"/>
+          <a:chOff x="0" y="0"/>
+          <a:chExt cx="0" cy="0"/>
+        </a:xfrm>
+      </p:grpSpPr>
+      <p:sp>
+        <p:nvSpPr>
+          <p:cNvPr id="8" name="모서리가 둥근 직사각형 14">
+            <a:extLst>
+              <a:ext uri="{FF2B5EF4-FFF2-40B4-BE49-F238E27FC236}">
+                <a16:creationId xmlns:a16="http://schemas.microsoft.com/office/drawing/2014/main" id="{3B56FC33-798E-4723-AA4D-D75E0D588902}"/>
+              </a:ext>
+            </a:extLst>
+          </p:cNvPr>
+          <p:cNvSpPr/>
+          <p:nvPr/>
+        </p:nvSpPr>
+        <p:spPr>
+          <a:xfrm>
+            <a:off x="5712982" y="0"/>
+            <a:ext cx="766036" cy="707722"/>
+          </a:xfrm>
+          <a:prstGeom prst="roundRect">
+            <a:avLst>
+              <a:gd name="adj" fmla="val 0"/>
+            </a:avLst>
+          </a:prstGeom>
+          <a:gradFill>
+            <a:gsLst>
+              <a:gs pos="0">
+                <a:srgbClr val="0F4B81"/>
+              </a:gs>
+              <a:gs pos="100000">
+                <a:srgbClr val="082744"/>
+              </a:gs>
+            </a:gsLst>
+            <a:lin ang="5400000" scaled="1"/>
+          </a:gradFill>
+          <a:ln>
+            <a:noFill/>
+          </a:ln>
+        </p:spPr>
+        <p:style>
+          <a:lnRef idx="2">
+            <a:schemeClr val="accent1">
+              <a:shade val="50000"/>
+            </a:schemeClr>
+          </a:lnRef>
+          <a:fillRef idx="1">
+            <a:schemeClr val="accent1"/>
+          </a:fillRef>
+          <a:effectRef idx="0">
+            <a:schemeClr val="accent1"/>
+          </a:effectRef>
+          <a:fontRef idx="minor">
+            <a:schemeClr val="lt1"/>
+          </a:fontRef>
+        </p:style>
+        <p:txBody>
+          <a:bodyPr rtlCol="0" anchor="ctr"/>
+          <a:lstStyle/>
+          <a:p>
+            <a:pPr algn="ctr"/>
+            <a:endParaRPr lang="ko-KR" altLang="en-US"/>
+          </a:p>
+        </p:txBody>
+      </p:sp>
+      <p:sp>
+        <p:nvSpPr>
+          <p:cNvPr id="9" name="TextBox 8">
+            <a:extLst>
+              <a:ext uri="{FF2B5EF4-FFF2-40B4-BE49-F238E27FC236}">
+                <a16:creationId xmlns:a16="http://schemas.microsoft.com/office/drawing/2014/main" id="{54367A85-3F67-4C12-A23E-6B872E42C67B}"/>
+              </a:ext>
+            </a:extLst>
+          </p:cNvPr>
+          <p:cNvSpPr txBox="1"/>
+          <p:nvPr/>
+        </p:nvSpPr>
+        <p:spPr>
+          <a:xfrm>
             <a:off x="5827336" y="168320"/>
             <a:ext cx="537327" cy="400110"/>
           </a:xfrm>
@@ -14827,7 +15209,7 @@
 </p:sld>
 </file>
 
-<file path=ppt/slides/slide22.xml><?xml version="1.0" encoding="utf-8"?>
+<file path=ppt/slides/slide23.xml><?xml version="1.0" encoding="utf-8"?>
 <p:sld xmlns:a="http://schemas.openxmlformats.org/drawingml/2006/main" xmlns:r="http://schemas.openxmlformats.org/officeDocument/2006/relationships" xmlns:p="http://schemas.openxmlformats.org/presentationml/2006/main">
   <p:cSld>
     <p:spTree>
@@ -15506,7 +15888,7 @@
 </p:sld>
 </file>
 
-<file path=ppt/slides/slide23.xml><?xml version="1.0" encoding="utf-8"?>
+<file path=ppt/slides/slide24.xml><?xml version="1.0" encoding="utf-8"?>
 <p:sld xmlns:a="http://schemas.openxmlformats.org/drawingml/2006/main" xmlns:r="http://schemas.openxmlformats.org/officeDocument/2006/relationships" xmlns:p="http://schemas.openxmlformats.org/presentationml/2006/main">
   <p:cSld>
     <p:spTree>

--- a/Documents/FA2020_ParkHur_v2.pptx
+++ b/Documents/FA2020_ParkHur_v2.pptx
@@ -5,7 +5,7 @@
     <p:sldMasterId id="2147483648" r:id="rId1"/>
   </p:sldMasterIdLst>
   <p:notesMasterIdLst>
-    <p:notesMasterId r:id="rId26"/>
+    <p:notesMasterId r:id="rId25"/>
   </p:notesMasterIdLst>
   <p:sldIdLst>
     <p:sldId id="256" r:id="rId2"/>
@@ -26,35 +26,34 @@
     <p:sldId id="307" r:id="rId17"/>
     <p:sldId id="310" r:id="rId18"/>
     <p:sldId id="313" r:id="rId19"/>
-    <p:sldId id="314" r:id="rId20"/>
-    <p:sldId id="323" r:id="rId21"/>
-    <p:sldId id="315" r:id="rId22"/>
-    <p:sldId id="259" r:id="rId23"/>
-    <p:sldId id="321" r:id="rId24"/>
-    <p:sldId id="269" r:id="rId25"/>
+    <p:sldId id="323" r:id="rId20"/>
+    <p:sldId id="315" r:id="rId21"/>
+    <p:sldId id="259" r:id="rId22"/>
+    <p:sldId id="321" r:id="rId23"/>
+    <p:sldId id="269" r:id="rId24"/>
   </p:sldIdLst>
   <p:sldSz cx="12192000" cy="6858000"/>
   <p:notesSz cx="6858000" cy="9144000"/>
   <p:embeddedFontLst>
     <p:embeddedFont>
-      <p:font typeface="맑은 고딕" panose="020B0503020000020004" pitchFamily="50" charset="-127"/>
-      <p:regular r:id="rId27"/>
-      <p:bold r:id="rId28"/>
-    </p:embeddedFont>
-    <p:embeddedFont>
       <p:font typeface="Calibri" panose="020F0502020204030204" pitchFamily="34" charset="0"/>
-      <p:regular r:id="rId29"/>
-      <p:bold r:id="rId30"/>
-      <p:italic r:id="rId31"/>
-      <p:boldItalic r:id="rId32"/>
+      <p:regular r:id="rId26"/>
+      <p:bold r:id="rId27"/>
+      <p:italic r:id="rId28"/>
+      <p:boldItalic r:id="rId29"/>
     </p:embeddedFont>
     <p:embeddedFont>
       <p:font typeface="G마켓 산스 Bold" panose="02000000000000000000" pitchFamily="50" charset="-127"/>
-      <p:regular r:id="rId33"/>
+      <p:regular r:id="rId30"/>
     </p:embeddedFont>
     <p:embeddedFont>
       <p:font typeface="G마켓 산스 Medium" panose="02000000000000000000" pitchFamily="50" charset="-127"/>
-      <p:regular r:id="rId34"/>
+      <p:regular r:id="rId31"/>
+    </p:embeddedFont>
+    <p:embeddedFont>
+      <p:font typeface="맑은 고딕" panose="020B0503020000020004" pitchFamily="50" charset="-127"/>
+      <p:regular r:id="rId32"/>
+      <p:bold r:id="rId33"/>
     </p:embeddedFont>
   </p:embeddedFontLst>
   <p:defaultTextStyle>
@@ -253,7 +252,7 @@
           <a:p>
             <a:fld id="{46EAB649-9F79-4FE6-A9D0-A59FE0623281}" type="datetimeFigureOut">
               <a:rPr lang="en-US" smtClean="0"/>
-              <a:t>10/13/2020</a:t>
+              <a:t>10/24/2020</a:t>
             </a:fld>
             <a:endParaRPr lang="en-US"/>
           </a:p>
@@ -1540,7 +1539,7 @@
     </p:spTree>
     <p:extLst>
       <p:ext uri="{BB962C8B-B14F-4D97-AF65-F5344CB8AC3E}">
-        <p14:creationId xmlns:p14="http://schemas.microsoft.com/office/powerpoint/2010/main" val="2693605707"/>
+        <p14:creationId xmlns:p14="http://schemas.microsoft.com/office/powerpoint/2010/main" val="3461839772"/>
       </p:ext>
     </p:extLst>
   </p:cSld>
@@ -1596,7 +1595,7 @@
           <a:p>
             <a:r>
               <a:rPr lang="en-US"/>
-              <a:t>We estimate the predicted probabilities of each generation group that how their choices of the unification are conditional on the prospects of unification. The plot of the 50s and 60s shows that as the prospects become positive, they are less likely to choose “not preferred” and “Status quo.” Otherwise, as the prospects become positive, they are more likely to support unification.</a:t>
+              <a:t>Then, how about the 20s, 30s, and 60+? Interestingly, the trends are not so different in the predicted probabilities. The only different can be seen at the panel of “preferred without burdens.” The 20s, 30s, and 40s show greater variations in the predicted probabilities as the prospects of unification vary.</a:t>
             </a:r>
           </a:p>
         </p:txBody>
@@ -1627,7 +1626,7 @@
     </p:spTree>
     <p:extLst>
       <p:ext uri="{BB962C8B-B14F-4D97-AF65-F5344CB8AC3E}">
-        <p14:creationId xmlns:p14="http://schemas.microsoft.com/office/powerpoint/2010/main" val="3461839772"/>
+        <p14:creationId xmlns:p14="http://schemas.microsoft.com/office/powerpoint/2010/main" val="3749036729"/>
       </p:ext>
     </p:extLst>
   </p:cSld>
@@ -1904,10 +1903,30 @@
           <a:bodyPr/>
           <a:lstStyle/>
           <a:p>
+            <a:pPr marL="0" marR="0" lvl="0" indent="0" algn="l" defTabSz="914400" rtl="0" eaLnBrk="1" fontAlgn="auto" latinLnBrk="0" hangingPunct="1">
+              <a:lnSpc>
+                <a:spcPct val="100000"/>
+              </a:lnSpc>
+              <a:spcBef>
+                <a:spcPts val="0"/>
+              </a:spcBef>
+              <a:spcAft>
+                <a:spcPts val="0"/>
+              </a:spcAft>
+              <a:buClrTx/>
+              <a:buSzTx/>
+              <a:buFontTx/>
+              <a:buNone/>
+              <a:tabLst/>
+              <a:defRPr/>
+            </a:pPr>
             <a:r>
               <a:rPr lang="en-US"/>
-              <a:t>Then, how about the 20s, 30s, and 60+? Interestingly, the trends are not so different in the predicted probabilities. The only different can be seen at the panel of “preferred without burdens.” The 20s, 30s, and 40s show greater variations in the predicted probabilities as the prospects of unification vary.</a:t>
-            </a:r>
+              <a:t>In sum: [just read the slides.]</a:t>
+            </a:r>
+          </a:p>
+          <a:p>
+            <a:endParaRPr lang="en-US"/>
           </a:p>
         </p:txBody>
       </p:sp>
@@ -1937,7 +1956,7 @@
     </p:spTree>
     <p:extLst>
       <p:ext uri="{BB962C8B-B14F-4D97-AF65-F5344CB8AC3E}">
-        <p14:creationId xmlns:p14="http://schemas.microsoft.com/office/powerpoint/2010/main" val="3749036729"/>
+        <p14:creationId xmlns:p14="http://schemas.microsoft.com/office/powerpoint/2010/main" val="556403785"/>
       </p:ext>
     </p:extLst>
   </p:cSld>
@@ -1991,113 +2010,6 @@
           <a:bodyPr/>
           <a:lstStyle/>
           <a:p>
-            <a:pPr marL="0" marR="0" lvl="0" indent="0" algn="l" defTabSz="914400" rtl="0" eaLnBrk="1" fontAlgn="auto" latinLnBrk="0" hangingPunct="1">
-              <a:lnSpc>
-                <a:spcPct val="100000"/>
-              </a:lnSpc>
-              <a:spcBef>
-                <a:spcPts val="0"/>
-              </a:spcBef>
-              <a:spcAft>
-                <a:spcPts val="0"/>
-              </a:spcAft>
-              <a:buClrTx/>
-              <a:buSzTx/>
-              <a:buFontTx/>
-              <a:buNone/>
-              <a:tabLst/>
-              <a:defRPr/>
-            </a:pPr>
-            <a:r>
-              <a:rPr lang="en-US"/>
-              <a:t>In sum: [just read the slides.]</a:t>
-            </a:r>
-          </a:p>
-          <a:p>
-            <a:endParaRPr lang="en-US"/>
-          </a:p>
-        </p:txBody>
-      </p:sp>
-      <p:sp>
-        <p:nvSpPr>
-          <p:cNvPr id="4" name="슬라이드 번호 개체 틀 3"/>
-          <p:cNvSpPr>
-            <a:spLocks noGrp="1"/>
-          </p:cNvSpPr>
-          <p:nvPr>
-            <p:ph type="sldNum" sz="quarter" idx="5"/>
-          </p:nvPr>
-        </p:nvSpPr>
-        <p:spPr/>
-        <p:txBody>
-          <a:bodyPr/>
-          <a:lstStyle/>
-          <a:p>
-            <a:fld id="{786BA361-ABBA-43FB-9596-0E4C6FCDFB0C}" type="slidenum">
-              <a:rPr lang="en-US" smtClean="0"/>
-              <a:t>22</a:t>
-            </a:fld>
-            <a:endParaRPr lang="en-US"/>
-          </a:p>
-        </p:txBody>
-      </p:sp>
-    </p:spTree>
-    <p:extLst>
-      <p:ext uri="{BB962C8B-B14F-4D97-AF65-F5344CB8AC3E}">
-        <p14:creationId xmlns:p14="http://schemas.microsoft.com/office/powerpoint/2010/main" val="556403785"/>
-      </p:ext>
-    </p:extLst>
-  </p:cSld>
-  <p:clrMapOvr>
-    <a:masterClrMapping/>
-  </p:clrMapOvr>
-</p:notes>
-</file>
-
-<file path=ppt/notesSlides/notesSlide22.xml><?xml version="1.0" encoding="utf-8"?>
-<p:notes xmlns:a="http://schemas.openxmlformats.org/drawingml/2006/main" xmlns:r="http://schemas.openxmlformats.org/officeDocument/2006/relationships" xmlns:p="http://schemas.openxmlformats.org/presentationml/2006/main">
-  <p:cSld>
-    <p:spTree>
-      <p:nvGrpSpPr>
-        <p:cNvPr id="1" name=""/>
-        <p:cNvGrpSpPr/>
-        <p:nvPr/>
-      </p:nvGrpSpPr>
-      <p:grpSpPr>
-        <a:xfrm>
-          <a:off x="0" y="0"/>
-          <a:ext cx="0" cy="0"/>
-          <a:chOff x="0" y="0"/>
-          <a:chExt cx="0" cy="0"/>
-        </a:xfrm>
-      </p:grpSpPr>
-      <p:sp>
-        <p:nvSpPr>
-          <p:cNvPr id="2" name="슬라이드 이미지 개체 틀 1"/>
-          <p:cNvSpPr>
-            <a:spLocks noGrp="1" noRot="1" noChangeAspect="1"/>
-          </p:cNvSpPr>
-          <p:nvPr>
-            <p:ph type="sldImg"/>
-          </p:nvPr>
-        </p:nvSpPr>
-        <p:spPr/>
-      </p:sp>
-      <p:sp>
-        <p:nvSpPr>
-          <p:cNvPr id="3" name="슬라이드 노트 개체 틀 2"/>
-          <p:cNvSpPr>
-            <a:spLocks noGrp="1"/>
-          </p:cNvSpPr>
-          <p:nvPr>
-            <p:ph type="body" idx="1"/>
-          </p:nvPr>
-        </p:nvSpPr>
-        <p:spPr/>
-        <p:txBody>
-          <a:bodyPr/>
-          <a:lstStyle/>
-          <a:p>
             <a:pPr>
               <a:lnSpc>
                 <a:spcPct val="120000"/>
@@ -2895,7 +2807,7 @@
           <a:p>
             <a:fld id="{786BA361-ABBA-43FB-9596-0E4C6FCDFB0C}" type="slidenum">
               <a:rPr lang="en-US" smtClean="0"/>
-              <a:t>23</a:t>
+              <a:t>22</a:t>
             </a:fld>
             <a:endParaRPr lang="en-US"/>
           </a:p>
@@ -3918,7 +3830,7 @@
           <a:p>
             <a:fld id="{34CA1A2D-AD2F-49FD-9C20-19E3B287DC5C}" type="datetimeFigureOut">
               <a:rPr lang="ko-KR" altLang="en-US" smtClean="0"/>
-              <a:t>2020-10-13</a:t>
+              <a:t>2020-10-24</a:t>
             </a:fld>
             <a:endParaRPr lang="ko-KR" altLang="en-US"/>
           </a:p>
@@ -4086,7 +3998,7 @@
           <a:p>
             <a:fld id="{34CA1A2D-AD2F-49FD-9C20-19E3B287DC5C}" type="datetimeFigureOut">
               <a:rPr lang="ko-KR" altLang="en-US" smtClean="0"/>
-              <a:t>2020-10-13</a:t>
+              <a:t>2020-10-24</a:t>
             </a:fld>
             <a:endParaRPr lang="ko-KR" altLang="en-US"/>
           </a:p>
@@ -4264,7 +4176,7 @@
           <a:p>
             <a:fld id="{34CA1A2D-AD2F-49FD-9C20-19E3B287DC5C}" type="datetimeFigureOut">
               <a:rPr lang="ko-KR" altLang="en-US" smtClean="0"/>
-              <a:t>2020-10-13</a:t>
+              <a:t>2020-10-24</a:t>
             </a:fld>
             <a:endParaRPr lang="ko-KR" altLang="en-US"/>
           </a:p>
@@ -4432,7 +4344,7 @@
           <a:p>
             <a:fld id="{34CA1A2D-AD2F-49FD-9C20-19E3B287DC5C}" type="datetimeFigureOut">
               <a:rPr lang="ko-KR" altLang="en-US" smtClean="0"/>
-              <a:t>2020-10-13</a:t>
+              <a:t>2020-10-24</a:t>
             </a:fld>
             <a:endParaRPr lang="ko-KR" altLang="en-US"/>
           </a:p>
@@ -4677,7 +4589,7 @@
           <a:p>
             <a:fld id="{34CA1A2D-AD2F-49FD-9C20-19E3B287DC5C}" type="datetimeFigureOut">
               <a:rPr lang="ko-KR" altLang="en-US" smtClean="0"/>
-              <a:t>2020-10-13</a:t>
+              <a:t>2020-10-24</a:t>
             </a:fld>
             <a:endParaRPr lang="ko-KR" altLang="en-US"/>
           </a:p>
@@ -4906,7 +4818,7 @@
           <a:p>
             <a:fld id="{34CA1A2D-AD2F-49FD-9C20-19E3B287DC5C}" type="datetimeFigureOut">
               <a:rPr lang="ko-KR" altLang="en-US" smtClean="0"/>
-              <a:t>2020-10-13</a:t>
+              <a:t>2020-10-24</a:t>
             </a:fld>
             <a:endParaRPr lang="ko-KR" altLang="en-US"/>
           </a:p>
@@ -5270,7 +5182,7 @@
           <a:p>
             <a:fld id="{34CA1A2D-AD2F-49FD-9C20-19E3B287DC5C}" type="datetimeFigureOut">
               <a:rPr lang="ko-KR" altLang="en-US" smtClean="0"/>
-              <a:t>2020-10-13</a:t>
+              <a:t>2020-10-24</a:t>
             </a:fld>
             <a:endParaRPr lang="ko-KR" altLang="en-US"/>
           </a:p>
@@ -5387,7 +5299,7 @@
           <a:p>
             <a:fld id="{34CA1A2D-AD2F-49FD-9C20-19E3B287DC5C}" type="datetimeFigureOut">
               <a:rPr lang="ko-KR" altLang="en-US" smtClean="0"/>
-              <a:t>2020-10-13</a:t>
+              <a:t>2020-10-24</a:t>
             </a:fld>
             <a:endParaRPr lang="ko-KR" altLang="en-US"/>
           </a:p>
@@ -5482,7 +5394,7 @@
           <a:p>
             <a:fld id="{34CA1A2D-AD2F-49FD-9C20-19E3B287DC5C}" type="datetimeFigureOut">
               <a:rPr lang="ko-KR" altLang="en-US" smtClean="0"/>
-              <a:t>2020-10-13</a:t>
+              <a:t>2020-10-24</a:t>
             </a:fld>
             <a:endParaRPr lang="ko-KR" altLang="en-US"/>
           </a:p>
@@ -5757,7 +5669,7 @@
           <a:p>
             <a:fld id="{34CA1A2D-AD2F-49FD-9C20-19E3B287DC5C}" type="datetimeFigureOut">
               <a:rPr lang="ko-KR" altLang="en-US" smtClean="0"/>
-              <a:t>2020-10-13</a:t>
+              <a:t>2020-10-24</a:t>
             </a:fld>
             <a:endParaRPr lang="ko-KR" altLang="en-US"/>
           </a:p>
@@ -6009,7 +5921,7 @@
           <a:p>
             <a:fld id="{34CA1A2D-AD2F-49FD-9C20-19E3B287DC5C}" type="datetimeFigureOut">
               <a:rPr lang="ko-KR" altLang="en-US" smtClean="0"/>
-              <a:t>2020-10-13</a:t>
+              <a:t>2020-10-24</a:t>
             </a:fld>
             <a:endParaRPr lang="ko-KR" altLang="en-US"/>
           </a:p>
@@ -6223,7 +6135,7 @@
           <a:p>
             <a:fld id="{34CA1A2D-AD2F-49FD-9C20-19E3B287DC5C}" type="datetimeFigureOut">
               <a:rPr lang="ko-KR" altLang="en-US" smtClean="0"/>
-              <a:t>2020-10-13</a:t>
+              <a:t>2020-10-24</a:t>
             </a:fld>
             <a:endParaRPr lang="ko-KR" altLang="en-US"/>
           </a:p>
@@ -12468,1169 +12380,6 @@
         </p:blipFill>
         <p:spPr>
           <a:xfrm>
-            <a:off x="1348367" y="1643602"/>
-            <a:ext cx="4364615" cy="5092051"/>
-          </a:xfrm>
-          <a:prstGeom prst="rect">
-            <a:avLst/>
-          </a:prstGeom>
-        </p:spPr>
-      </p:pic>
-      <p:pic>
-        <p:nvPicPr>
-          <p:cNvPr id="12" name="그림 11" descr="실내, 테이블, 컴퓨터, 앉아있는이(가) 표시된 사진&#10;&#10;자동 생성된 설명">
-            <a:extLst>
-              <a:ext uri="{FF2B5EF4-FFF2-40B4-BE49-F238E27FC236}">
-                <a16:creationId xmlns:a16="http://schemas.microsoft.com/office/drawing/2014/main" id="{2CA57188-D317-45CD-9B2E-78CD6795DB7B}"/>
-              </a:ext>
-            </a:extLst>
-          </p:cNvPr>
-          <p:cNvPicPr>
-            <a:picLocks noChangeAspect="1"/>
-          </p:cNvPicPr>
-          <p:nvPr/>
-        </p:nvPicPr>
-        <p:blipFill>
-          <a:blip r:embed="rId4" cstate="print">
-            <a:extLst>
-              <a:ext uri="{28A0092B-C50C-407E-A947-70E740481C1C}">
-                <a14:useLocalDpi xmlns:a14="http://schemas.microsoft.com/office/drawing/2010/main" val="0"/>
-              </a:ext>
-            </a:extLst>
-          </a:blip>
-          <a:stretch>
-            <a:fillRect/>
-          </a:stretch>
-        </p:blipFill>
-        <p:spPr>
-          <a:xfrm>
-            <a:off x="6096000" y="1643602"/>
-            <a:ext cx="4366286" cy="5094000"/>
-          </a:xfrm>
-          <a:prstGeom prst="rect">
-            <a:avLst/>
-          </a:prstGeom>
-        </p:spPr>
-      </p:pic>
-    </p:spTree>
-    <p:extLst>
-      <p:ext uri="{BB962C8B-B14F-4D97-AF65-F5344CB8AC3E}">
-        <p14:creationId xmlns:p14="http://schemas.microsoft.com/office/powerpoint/2010/main" val="115890518"/>
-      </p:ext>
-    </p:extLst>
-  </p:cSld>
-  <p:clrMapOvr>
-    <a:masterClrMapping/>
-  </p:clrMapOvr>
-</p:sld>
-</file>
-
-<file path=ppt/slides/slide2.xml><?xml version="1.0" encoding="utf-8"?>
-<p:sld xmlns:a="http://schemas.openxmlformats.org/drawingml/2006/main" xmlns:r="http://schemas.openxmlformats.org/officeDocument/2006/relationships" xmlns:p="http://schemas.openxmlformats.org/presentationml/2006/main">
-  <p:cSld>
-    <p:spTree>
-      <p:nvGrpSpPr>
-        <p:cNvPr id="1" name=""/>
-        <p:cNvGrpSpPr/>
-        <p:nvPr/>
-      </p:nvGrpSpPr>
-      <p:grpSpPr>
-        <a:xfrm>
-          <a:off x="0" y="0"/>
-          <a:ext cx="0" cy="0"/>
-          <a:chOff x="0" y="0"/>
-          <a:chExt cx="0" cy="0"/>
-        </a:xfrm>
-      </p:grpSpPr>
-      <p:sp>
-        <p:nvSpPr>
-          <p:cNvPr id="8" name="모서리가 둥근 직사각형 14">
-            <a:extLst>
-              <a:ext uri="{FF2B5EF4-FFF2-40B4-BE49-F238E27FC236}">
-                <a16:creationId xmlns:a16="http://schemas.microsoft.com/office/drawing/2014/main" id="{3B56FC33-798E-4723-AA4D-D75E0D588902}"/>
-              </a:ext>
-            </a:extLst>
-          </p:cNvPr>
-          <p:cNvSpPr/>
-          <p:nvPr/>
-        </p:nvSpPr>
-        <p:spPr>
-          <a:xfrm>
-            <a:off x="5712982" y="0"/>
-            <a:ext cx="766036" cy="707722"/>
-          </a:xfrm>
-          <a:prstGeom prst="roundRect">
-            <a:avLst>
-              <a:gd name="adj" fmla="val 0"/>
-            </a:avLst>
-          </a:prstGeom>
-          <a:gradFill>
-            <a:gsLst>
-              <a:gs pos="0">
-                <a:srgbClr val="0F4B81"/>
-              </a:gs>
-              <a:gs pos="100000">
-                <a:srgbClr val="082744"/>
-              </a:gs>
-            </a:gsLst>
-            <a:lin ang="5400000" scaled="1"/>
-          </a:gradFill>
-          <a:ln>
-            <a:noFill/>
-          </a:ln>
-        </p:spPr>
-        <p:style>
-          <a:lnRef idx="2">
-            <a:schemeClr val="accent1">
-              <a:shade val="50000"/>
-            </a:schemeClr>
-          </a:lnRef>
-          <a:fillRef idx="1">
-            <a:schemeClr val="accent1"/>
-          </a:fillRef>
-          <a:effectRef idx="0">
-            <a:schemeClr val="accent1"/>
-          </a:effectRef>
-          <a:fontRef idx="minor">
-            <a:schemeClr val="lt1"/>
-          </a:fontRef>
-        </p:style>
-        <p:txBody>
-          <a:bodyPr rtlCol="0" anchor="ctr"/>
-          <a:lstStyle/>
-          <a:p>
-            <a:pPr algn="ctr"/>
-            <a:endParaRPr lang="ko-KR" altLang="en-US"/>
-          </a:p>
-        </p:txBody>
-      </p:sp>
-      <p:sp>
-        <p:nvSpPr>
-          <p:cNvPr id="9" name="TextBox 8">
-            <a:extLst>
-              <a:ext uri="{FF2B5EF4-FFF2-40B4-BE49-F238E27FC236}">
-                <a16:creationId xmlns:a16="http://schemas.microsoft.com/office/drawing/2014/main" id="{54367A85-3F67-4C12-A23E-6B872E42C67B}"/>
-              </a:ext>
-            </a:extLst>
-          </p:cNvPr>
-          <p:cNvSpPr txBox="1"/>
-          <p:nvPr/>
-        </p:nvSpPr>
-        <p:spPr>
-          <a:xfrm>
-            <a:off x="5852183" y="168320"/>
-            <a:ext cx="487634" cy="400110"/>
-          </a:xfrm>
-          <a:prstGeom prst="rect">
-            <a:avLst/>
-          </a:prstGeom>
-          <a:noFill/>
-        </p:spPr>
-        <p:txBody>
-          <a:bodyPr wrap="none" rtlCol="0">
-            <a:spAutoFit/>
-          </a:bodyPr>
-          <a:lstStyle/>
-          <a:p>
-            <a:pPr algn="ctr"/>
-            <a:r>
-              <a:rPr lang="en-US" sz="2000" dirty="0">
-                <a:ln>
-                  <a:solidFill>
-                    <a:schemeClr val="accent1">
-                      <a:alpha val="0"/>
-                    </a:schemeClr>
-                  </a:solidFill>
-                </a:ln>
-                <a:solidFill>
-                  <a:schemeClr val="bg1"/>
-                </a:solidFill>
-                <a:latin typeface="G마켓 산스 Bold" panose="02000000000000000000" pitchFamily="50" charset="-127"/>
-                <a:ea typeface="G마켓 산스 Bold" panose="02000000000000000000" pitchFamily="50" charset="-127"/>
-              </a:rPr>
-              <a:t>01</a:t>
-            </a:r>
-          </a:p>
-        </p:txBody>
-      </p:sp>
-      <p:sp>
-        <p:nvSpPr>
-          <p:cNvPr id="11" name="TextBox 10">
-            <a:extLst>
-              <a:ext uri="{FF2B5EF4-FFF2-40B4-BE49-F238E27FC236}">
-                <a16:creationId xmlns:a16="http://schemas.microsoft.com/office/drawing/2014/main" id="{0363BFF9-F95D-4452-97B2-A38422B82EA9}"/>
-              </a:ext>
-            </a:extLst>
-          </p:cNvPr>
-          <p:cNvSpPr txBox="1"/>
-          <p:nvPr/>
-        </p:nvSpPr>
-        <p:spPr>
-          <a:xfrm>
-            <a:off x="4851919" y="982711"/>
-            <a:ext cx="2488182" cy="609398"/>
-          </a:xfrm>
-          <a:prstGeom prst="rect">
-            <a:avLst/>
-          </a:prstGeom>
-          <a:noFill/>
-        </p:spPr>
-        <p:txBody>
-          <a:bodyPr wrap="none" rtlCol="0">
-            <a:spAutoFit/>
-          </a:bodyPr>
-          <a:lstStyle/>
-          <a:p>
-            <a:pPr algn="ctr">
-              <a:lnSpc>
-                <a:spcPct val="120000"/>
-              </a:lnSpc>
-            </a:pPr>
-            <a:r>
-              <a:rPr lang="en-US" altLang="ko-KR" sz="2800" spc="-50">
-                <a:ln>
-                  <a:solidFill>
-                    <a:schemeClr val="accent1">
-                      <a:alpha val="0"/>
-                    </a:schemeClr>
-                  </a:solidFill>
-                </a:ln>
-                <a:solidFill>
-                  <a:schemeClr val="tx1">
-                    <a:lumMod val="75000"/>
-                    <a:lumOff val="25000"/>
-                  </a:schemeClr>
-                </a:solidFill>
-                <a:latin typeface="G마켓 산스 Bold" panose="02000000000000000000" pitchFamily="50" charset="-127"/>
-                <a:ea typeface="G마켓 산스 Bold" panose="02000000000000000000" pitchFamily="50" charset="-127"/>
-              </a:rPr>
-              <a:t>Motivations</a:t>
-            </a:r>
-            <a:endParaRPr lang="en-US" altLang="ko-KR" sz="2800" spc="-50" dirty="0">
-              <a:ln>
-                <a:solidFill>
-                  <a:schemeClr val="accent1">
-                    <a:alpha val="0"/>
-                  </a:schemeClr>
-                </a:solidFill>
-              </a:ln>
-              <a:solidFill>
-                <a:schemeClr val="tx1">
-                  <a:lumMod val="75000"/>
-                  <a:lumOff val="25000"/>
-                </a:schemeClr>
-              </a:solidFill>
-              <a:latin typeface="G마켓 산스 Bold" panose="02000000000000000000" pitchFamily="50" charset="-127"/>
-              <a:ea typeface="G마켓 산스 Bold" panose="02000000000000000000" pitchFamily="50" charset="-127"/>
-            </a:endParaRPr>
-          </a:p>
-        </p:txBody>
-      </p:sp>
-      <p:pic>
-        <p:nvPicPr>
-          <p:cNvPr id="1026" name="Picture 2">
-            <a:extLst>
-              <a:ext uri="{FF2B5EF4-FFF2-40B4-BE49-F238E27FC236}">
-                <a16:creationId xmlns:a16="http://schemas.microsoft.com/office/drawing/2014/main" id="{C173AA3D-E9F8-45E1-953B-A3A42EE54571}"/>
-              </a:ext>
-            </a:extLst>
-          </p:cNvPr>
-          <p:cNvPicPr>
-            <a:picLocks noChangeAspect="1" noChangeArrowheads="1"/>
-          </p:cNvPicPr>
-          <p:nvPr/>
-        </p:nvPicPr>
-        <p:blipFill>
-          <a:blip r:embed="rId3">
-            <a:extLst>
-              <a:ext uri="{28A0092B-C50C-407E-A947-70E740481C1C}">
-                <a14:useLocalDpi xmlns:a14="http://schemas.microsoft.com/office/drawing/2010/main" val="0"/>
-              </a:ext>
-            </a:extLst>
-          </a:blip>
-          <a:srcRect/>
-          <a:stretch>
-            <a:fillRect/>
-          </a:stretch>
-        </p:blipFill>
-        <p:spPr bwMode="auto">
-          <a:xfrm>
-            <a:off x="573306" y="1867098"/>
-            <a:ext cx="5278877" cy="3519251"/>
-          </a:xfrm>
-          <a:prstGeom prst="rect">
-            <a:avLst/>
-          </a:prstGeom>
-          <a:noFill/>
-          <a:extLst>
-            <a:ext uri="{909E8E84-426E-40DD-AFC4-6F175D3DCCD1}">
-              <a14:hiddenFill xmlns:a14="http://schemas.microsoft.com/office/drawing/2010/main">
-                <a:solidFill>
-                  <a:srgbClr val="FFFFFF"/>
-                </a:solidFill>
-              </a14:hiddenFill>
-            </a:ext>
-          </a:extLst>
-        </p:spPr>
-      </p:pic>
-      <p:sp>
-        <p:nvSpPr>
-          <p:cNvPr id="10" name="TextBox 9">
-            <a:extLst>
-              <a:ext uri="{FF2B5EF4-FFF2-40B4-BE49-F238E27FC236}">
-                <a16:creationId xmlns:a16="http://schemas.microsoft.com/office/drawing/2014/main" id="{D56AC8D7-1CCE-4C85-A17E-2A423FEC2677}"/>
-              </a:ext>
-            </a:extLst>
-          </p:cNvPr>
-          <p:cNvSpPr txBox="1"/>
-          <p:nvPr/>
-        </p:nvSpPr>
-        <p:spPr>
-          <a:xfrm>
-            <a:off x="1559511" y="5762015"/>
-            <a:ext cx="3129383" cy="350865"/>
-          </a:xfrm>
-          <a:prstGeom prst="rect">
-            <a:avLst/>
-          </a:prstGeom>
-          <a:noFill/>
-        </p:spPr>
-        <p:txBody>
-          <a:bodyPr wrap="none" rtlCol="0">
-            <a:spAutoFit/>
-          </a:bodyPr>
-          <a:lstStyle/>
-          <a:p>
-            <a:pPr algn="ctr">
-              <a:lnSpc>
-                <a:spcPct val="120000"/>
-              </a:lnSpc>
-            </a:pPr>
-            <a:r>
-              <a:rPr lang="en-US" altLang="ko-KR" sz="1400" spc="-50">
-                <a:ln>
-                  <a:solidFill>
-                    <a:schemeClr val="accent1">
-                      <a:alpha val="0"/>
-                    </a:schemeClr>
-                  </a:solidFill>
-                </a:ln>
-                <a:solidFill>
-                  <a:schemeClr val="tx1">
-                    <a:lumMod val="75000"/>
-                    <a:lumOff val="25000"/>
-                  </a:schemeClr>
-                </a:solidFill>
-                <a:latin typeface="G마켓 산스 Bold" panose="02000000000000000000" pitchFamily="50" charset="-127"/>
-                <a:ea typeface="G마켓 산스 Bold" panose="02000000000000000000" pitchFamily="50" charset="-127"/>
-              </a:rPr>
-              <a:t>Pyeongchang Winter Olympics</a:t>
-            </a:r>
-            <a:endParaRPr lang="en-US" altLang="ko-KR" sz="1400" spc="-50" dirty="0">
-              <a:ln>
-                <a:solidFill>
-                  <a:schemeClr val="accent1">
-                    <a:alpha val="0"/>
-                  </a:schemeClr>
-                </a:solidFill>
-              </a:ln>
-              <a:solidFill>
-                <a:schemeClr val="tx1">
-                  <a:lumMod val="75000"/>
-                  <a:lumOff val="25000"/>
-                </a:schemeClr>
-              </a:solidFill>
-              <a:latin typeface="G마켓 산스 Bold" panose="02000000000000000000" pitchFamily="50" charset="-127"/>
-              <a:ea typeface="G마켓 산스 Bold" panose="02000000000000000000" pitchFamily="50" charset="-127"/>
-            </a:endParaRPr>
-          </a:p>
-        </p:txBody>
-      </p:sp>
-      <p:sp>
-        <p:nvSpPr>
-          <p:cNvPr id="14" name="TextBox 13">
-            <a:extLst>
-              <a:ext uri="{FF2B5EF4-FFF2-40B4-BE49-F238E27FC236}">
-                <a16:creationId xmlns:a16="http://schemas.microsoft.com/office/drawing/2014/main" id="{6568B828-F281-44B2-ADCC-6640ABA4346D}"/>
-              </a:ext>
-            </a:extLst>
-          </p:cNvPr>
-          <p:cNvSpPr txBox="1"/>
-          <p:nvPr/>
-        </p:nvSpPr>
-        <p:spPr>
-          <a:xfrm>
-            <a:off x="956793" y="6112882"/>
-            <a:ext cx="4334841" cy="313932"/>
-          </a:xfrm>
-          <a:prstGeom prst="rect">
-            <a:avLst/>
-          </a:prstGeom>
-          <a:noFill/>
-        </p:spPr>
-        <p:txBody>
-          <a:bodyPr wrap="none" rtlCol="0">
-            <a:spAutoFit/>
-          </a:bodyPr>
-          <a:lstStyle/>
-          <a:p>
-            <a:pPr algn="ctr">
-              <a:lnSpc>
-                <a:spcPct val="120000"/>
-              </a:lnSpc>
-            </a:pPr>
-            <a:r>
-              <a:rPr lang="en-US" altLang="ko-KR" sz="1200" spc="-20">
-                <a:ln>
-                  <a:solidFill>
-                    <a:schemeClr val="accent1">
-                      <a:alpha val="0"/>
-                    </a:schemeClr>
-                  </a:solidFill>
-                </a:ln>
-                <a:solidFill>
-                  <a:schemeClr val="tx1">
-                    <a:lumMod val="75000"/>
-                    <a:lumOff val="25000"/>
-                  </a:schemeClr>
-                </a:solidFill>
-                <a:latin typeface="G마켓 산스 Medium" panose="02000000000000000000" pitchFamily="50" charset="-127"/>
-                <a:ea typeface="G마켓 산스 Medium" panose="02000000000000000000" pitchFamily="50" charset="-127"/>
-              </a:rPr>
-              <a:t>NK sent athletes, cheering squads, and art troupes</a:t>
-            </a:r>
-            <a:endParaRPr lang="en-US" altLang="ko-KR" sz="1200" spc="-20" dirty="0">
-              <a:ln>
-                <a:solidFill>
-                  <a:schemeClr val="accent1">
-                    <a:alpha val="0"/>
-                  </a:schemeClr>
-                </a:solidFill>
-              </a:ln>
-              <a:solidFill>
-                <a:schemeClr val="tx1">
-                  <a:lumMod val="75000"/>
-                  <a:lumOff val="25000"/>
-                </a:schemeClr>
-              </a:solidFill>
-              <a:latin typeface="G마켓 산스 Medium" panose="02000000000000000000" pitchFamily="50" charset="-127"/>
-              <a:ea typeface="G마켓 산스 Medium" panose="02000000000000000000" pitchFamily="50" charset="-127"/>
-            </a:endParaRPr>
-          </a:p>
-        </p:txBody>
-      </p:sp>
-      <p:sp>
-        <p:nvSpPr>
-          <p:cNvPr id="15" name="타원 14">
-            <a:extLst>
-              <a:ext uri="{FF2B5EF4-FFF2-40B4-BE49-F238E27FC236}">
-                <a16:creationId xmlns:a16="http://schemas.microsoft.com/office/drawing/2014/main" id="{B81A9CD8-0A01-4405-BC67-2CDF1F6A3D78}"/>
-              </a:ext>
-            </a:extLst>
-          </p:cNvPr>
-          <p:cNvSpPr/>
-          <p:nvPr/>
-        </p:nvSpPr>
-        <p:spPr>
-          <a:xfrm>
-            <a:off x="2874109" y="5221349"/>
-            <a:ext cx="350864" cy="350864"/>
-          </a:xfrm>
-          <a:prstGeom prst="ellipse">
-            <a:avLst/>
-          </a:prstGeom>
-          <a:solidFill>
-            <a:srgbClr val="0F4B81"/>
-          </a:solidFill>
-          <a:ln>
-            <a:noFill/>
-          </a:ln>
-        </p:spPr>
-        <p:style>
-          <a:lnRef idx="2">
-            <a:schemeClr val="accent1">
-              <a:shade val="50000"/>
-            </a:schemeClr>
-          </a:lnRef>
-          <a:fillRef idx="1">
-            <a:schemeClr val="accent1"/>
-          </a:fillRef>
-          <a:effectRef idx="0">
-            <a:schemeClr val="accent1"/>
-          </a:effectRef>
-          <a:fontRef idx="minor">
-            <a:schemeClr val="lt1"/>
-          </a:fontRef>
-        </p:style>
-        <p:txBody>
-          <a:bodyPr rtlCol="0" anchor="ctr"/>
-          <a:lstStyle/>
-          <a:p>
-            <a:pPr algn="ctr"/>
-            <a:endParaRPr lang="en-US"/>
-          </a:p>
-        </p:txBody>
-      </p:sp>
-      <p:sp>
-        <p:nvSpPr>
-          <p:cNvPr id="16" name="TextBox 15">
-            <a:extLst>
-              <a:ext uri="{FF2B5EF4-FFF2-40B4-BE49-F238E27FC236}">
-                <a16:creationId xmlns:a16="http://schemas.microsoft.com/office/drawing/2014/main" id="{8596165A-3E56-49E3-A2AD-2DAEAC8D7F2C}"/>
-              </a:ext>
-            </a:extLst>
-          </p:cNvPr>
-          <p:cNvSpPr txBox="1"/>
-          <p:nvPr/>
-        </p:nvSpPr>
-        <p:spPr>
-          <a:xfrm>
-            <a:off x="2872249" y="5230484"/>
-            <a:ext cx="354584" cy="313932"/>
-          </a:xfrm>
-          <a:prstGeom prst="rect">
-            <a:avLst/>
-          </a:prstGeom>
-          <a:noFill/>
-        </p:spPr>
-        <p:txBody>
-          <a:bodyPr wrap="none" rtlCol="0">
-            <a:spAutoFit/>
-          </a:bodyPr>
-          <a:lstStyle/>
-          <a:p>
-            <a:pPr algn="ctr">
-              <a:lnSpc>
-                <a:spcPct val="120000"/>
-              </a:lnSpc>
-            </a:pPr>
-            <a:r>
-              <a:rPr lang="en-US" altLang="ko-KR" sz="1200" spc="-50" dirty="0">
-                <a:ln>
-                  <a:solidFill>
-                    <a:schemeClr val="accent1">
-                      <a:alpha val="0"/>
-                    </a:schemeClr>
-                  </a:solidFill>
-                </a:ln>
-                <a:solidFill>
-                  <a:schemeClr val="bg1"/>
-                </a:solidFill>
-                <a:latin typeface="G마켓 산스 Bold" panose="02000000000000000000" pitchFamily="50" charset="-127"/>
-                <a:ea typeface="G마켓 산스 Bold" panose="02000000000000000000" pitchFamily="50" charset="-127"/>
-              </a:rPr>
-              <a:t>01</a:t>
-            </a:r>
-          </a:p>
-        </p:txBody>
-      </p:sp>
-      <p:pic>
-        <p:nvPicPr>
-          <p:cNvPr id="1030" name="Picture 6" descr="▲ 문재인 대통령과 김정은 국무위원장이 처음 만나 군사분계선에서 악수하고 있다. 사진=한국공동사진취재단">
-            <a:extLst>
-              <a:ext uri="{FF2B5EF4-FFF2-40B4-BE49-F238E27FC236}">
-                <a16:creationId xmlns:a16="http://schemas.microsoft.com/office/drawing/2014/main" id="{1AE63DE4-2A4A-4148-A32F-1AD00AA05DF3}"/>
-              </a:ext>
-            </a:extLst>
-          </p:cNvPr>
-          <p:cNvPicPr>
-            <a:picLocks noChangeAspect="1" noChangeArrowheads="1"/>
-          </p:cNvPicPr>
-          <p:nvPr/>
-        </p:nvPicPr>
-        <p:blipFill>
-          <a:blip r:embed="rId4">
-            <a:extLst>
-              <a:ext uri="{28A0092B-C50C-407E-A947-70E740481C1C}">
-                <a14:useLocalDpi xmlns:a14="http://schemas.microsoft.com/office/drawing/2010/main" val="0"/>
-              </a:ext>
-            </a:extLst>
-          </a:blip>
-          <a:srcRect/>
-          <a:stretch>
-            <a:fillRect/>
-          </a:stretch>
-        </p:blipFill>
-        <p:spPr bwMode="auto">
-          <a:xfrm>
-            <a:off x="6339817" y="1867098"/>
-            <a:ext cx="5278877" cy="3517052"/>
-          </a:xfrm>
-          <a:prstGeom prst="rect">
-            <a:avLst/>
-          </a:prstGeom>
-          <a:noFill/>
-          <a:extLst>
-            <a:ext uri="{909E8E84-426E-40DD-AFC4-6F175D3DCCD1}">
-              <a14:hiddenFill xmlns:a14="http://schemas.microsoft.com/office/drawing/2010/main">
-                <a:solidFill>
-                  <a:srgbClr val="FFFFFF"/>
-                </a:solidFill>
-              </a14:hiddenFill>
-            </a:ext>
-          </a:extLst>
-        </p:spPr>
-      </p:pic>
-      <p:sp>
-        <p:nvSpPr>
-          <p:cNvPr id="49" name="TextBox 48">
-            <a:extLst>
-              <a:ext uri="{FF2B5EF4-FFF2-40B4-BE49-F238E27FC236}">
-                <a16:creationId xmlns:a16="http://schemas.microsoft.com/office/drawing/2014/main" id="{EB2B37A9-AFF8-4D5D-B0AE-EB8A440C0AE5}"/>
-              </a:ext>
-            </a:extLst>
-          </p:cNvPr>
-          <p:cNvSpPr txBox="1"/>
-          <p:nvPr/>
-        </p:nvSpPr>
-        <p:spPr>
-          <a:xfrm>
-            <a:off x="7590480" y="5762015"/>
-            <a:ext cx="2954655" cy="350865"/>
-          </a:xfrm>
-          <a:prstGeom prst="rect">
-            <a:avLst/>
-          </a:prstGeom>
-          <a:noFill/>
-        </p:spPr>
-        <p:txBody>
-          <a:bodyPr wrap="none" rtlCol="0">
-            <a:spAutoFit/>
-          </a:bodyPr>
-          <a:lstStyle/>
-          <a:p>
-            <a:pPr algn="ctr">
-              <a:lnSpc>
-                <a:spcPct val="120000"/>
-              </a:lnSpc>
-            </a:pPr>
-            <a:r>
-              <a:rPr lang="en-US" altLang="ko-KR" sz="1400" spc="-50">
-                <a:ln>
-                  <a:solidFill>
-                    <a:schemeClr val="accent1">
-                      <a:alpha val="0"/>
-                    </a:schemeClr>
-                  </a:solidFill>
-                </a:ln>
-                <a:solidFill>
-                  <a:schemeClr val="tx1">
-                    <a:lumMod val="75000"/>
-                    <a:lumOff val="25000"/>
-                  </a:schemeClr>
-                </a:solidFill>
-                <a:latin typeface="G마켓 산스 Bold" panose="02000000000000000000" pitchFamily="50" charset="-127"/>
-                <a:ea typeface="G마켓 산스 Bold" panose="02000000000000000000" pitchFamily="50" charset="-127"/>
-              </a:rPr>
-              <a:t>4. 27 Panmunjom Declaration</a:t>
-            </a:r>
-            <a:endParaRPr lang="en-US" altLang="ko-KR" sz="1400" spc="-50" dirty="0">
-              <a:ln>
-                <a:solidFill>
-                  <a:schemeClr val="accent1">
-                    <a:alpha val="0"/>
-                  </a:schemeClr>
-                </a:solidFill>
-              </a:ln>
-              <a:solidFill>
-                <a:schemeClr val="tx1">
-                  <a:lumMod val="75000"/>
-                  <a:lumOff val="25000"/>
-                </a:schemeClr>
-              </a:solidFill>
-              <a:latin typeface="G마켓 산스 Bold" panose="02000000000000000000" pitchFamily="50" charset="-127"/>
-              <a:ea typeface="G마켓 산스 Bold" panose="02000000000000000000" pitchFamily="50" charset="-127"/>
-            </a:endParaRPr>
-          </a:p>
-        </p:txBody>
-      </p:sp>
-      <p:sp>
-        <p:nvSpPr>
-          <p:cNvPr id="50" name="TextBox 49">
-            <a:extLst>
-              <a:ext uri="{FF2B5EF4-FFF2-40B4-BE49-F238E27FC236}">
-                <a16:creationId xmlns:a16="http://schemas.microsoft.com/office/drawing/2014/main" id="{96778EF4-B338-45A2-A0BE-A4F7F9FF99B7}"/>
-              </a:ext>
-            </a:extLst>
-          </p:cNvPr>
-          <p:cNvSpPr txBox="1"/>
-          <p:nvPr/>
-        </p:nvSpPr>
-        <p:spPr>
-          <a:xfrm>
-            <a:off x="6736235" y="6112882"/>
-            <a:ext cx="4663135" cy="526298"/>
-          </a:xfrm>
-          <a:prstGeom prst="rect">
-            <a:avLst/>
-          </a:prstGeom>
-          <a:noFill/>
-        </p:spPr>
-        <p:txBody>
-          <a:bodyPr wrap="none" rtlCol="0">
-            <a:spAutoFit/>
-          </a:bodyPr>
-          <a:lstStyle/>
-          <a:p>
-            <a:pPr algn="ctr">
-              <a:lnSpc>
-                <a:spcPct val="120000"/>
-              </a:lnSpc>
-            </a:pPr>
-            <a:r>
-              <a:rPr lang="en-US" sz="1200" spc="-20">
-                <a:ln>
-                  <a:solidFill>
-                    <a:schemeClr val="accent1">
-                      <a:alpha val="0"/>
-                    </a:schemeClr>
-                  </a:solidFill>
-                </a:ln>
-                <a:solidFill>
-                  <a:schemeClr val="tx1">
-                    <a:lumMod val="75000"/>
-                    <a:lumOff val="25000"/>
-                  </a:schemeClr>
-                </a:solidFill>
-                <a:latin typeface="G마켓 산스 Medium" panose="02000000000000000000" pitchFamily="50" charset="-127"/>
-                <a:ea typeface="G마켓 산스 Medium" panose="02000000000000000000" pitchFamily="50" charset="-127"/>
-              </a:rPr>
-              <a:t>The Panmunjom Declaration for Peace, Prosperity and </a:t>
-            </a:r>
-            <a:br>
-              <a:rPr lang="en-US" sz="1200" spc="-20">
-                <a:ln>
-                  <a:solidFill>
-                    <a:schemeClr val="accent1">
-                      <a:alpha val="0"/>
-                    </a:schemeClr>
-                  </a:solidFill>
-                </a:ln>
-                <a:solidFill>
-                  <a:schemeClr val="tx1">
-                    <a:lumMod val="75000"/>
-                    <a:lumOff val="25000"/>
-                  </a:schemeClr>
-                </a:solidFill>
-                <a:latin typeface="G마켓 산스 Medium" panose="02000000000000000000" pitchFamily="50" charset="-127"/>
-                <a:ea typeface="G마켓 산스 Medium" panose="02000000000000000000" pitchFamily="50" charset="-127"/>
-              </a:rPr>
-            </a:br>
-            <a:r>
-              <a:rPr lang="en-US" sz="1200" spc="-20">
-                <a:ln>
-                  <a:solidFill>
-                    <a:schemeClr val="accent1">
-                      <a:alpha val="0"/>
-                    </a:schemeClr>
-                  </a:solidFill>
-                </a:ln>
-                <a:solidFill>
-                  <a:schemeClr val="tx1">
-                    <a:lumMod val="75000"/>
-                    <a:lumOff val="25000"/>
-                  </a:schemeClr>
-                </a:solidFill>
-                <a:latin typeface="G마켓 산스 Medium" panose="02000000000000000000" pitchFamily="50" charset="-127"/>
-                <a:ea typeface="G마켓 산스 Medium" panose="02000000000000000000" pitchFamily="50" charset="-127"/>
-              </a:rPr>
-              <a:t>Reunification of the Korean Peninsula </a:t>
-            </a:r>
-            <a:endParaRPr lang="en-US" altLang="ko-KR" sz="1200" spc="-20" dirty="0">
-              <a:ln>
-                <a:solidFill>
-                  <a:schemeClr val="accent1">
-                    <a:alpha val="0"/>
-                  </a:schemeClr>
-                </a:solidFill>
-              </a:ln>
-              <a:solidFill>
-                <a:schemeClr val="tx1">
-                  <a:lumMod val="75000"/>
-                  <a:lumOff val="25000"/>
-                </a:schemeClr>
-              </a:solidFill>
-              <a:latin typeface="G마켓 산스 Medium" panose="02000000000000000000" pitchFamily="50" charset="-127"/>
-              <a:ea typeface="G마켓 산스 Medium" panose="02000000000000000000" pitchFamily="50" charset="-127"/>
-            </a:endParaRPr>
-          </a:p>
-        </p:txBody>
-      </p:sp>
-      <p:sp>
-        <p:nvSpPr>
-          <p:cNvPr id="51" name="타원 50">
-            <a:extLst>
-              <a:ext uri="{FF2B5EF4-FFF2-40B4-BE49-F238E27FC236}">
-                <a16:creationId xmlns:a16="http://schemas.microsoft.com/office/drawing/2014/main" id="{2A9FB48A-65E7-4FA4-A193-A6F1B7D83BF2}"/>
-              </a:ext>
-            </a:extLst>
-          </p:cNvPr>
-          <p:cNvSpPr/>
-          <p:nvPr/>
-        </p:nvSpPr>
-        <p:spPr>
-          <a:xfrm>
-            <a:off x="8817713" y="5221349"/>
-            <a:ext cx="350864" cy="350864"/>
-          </a:xfrm>
-          <a:prstGeom prst="ellipse">
-            <a:avLst/>
-          </a:prstGeom>
-          <a:solidFill>
-            <a:srgbClr val="0F4B81"/>
-          </a:solidFill>
-          <a:ln>
-            <a:noFill/>
-          </a:ln>
-        </p:spPr>
-        <p:style>
-          <a:lnRef idx="2">
-            <a:schemeClr val="accent1">
-              <a:shade val="50000"/>
-            </a:schemeClr>
-          </a:lnRef>
-          <a:fillRef idx="1">
-            <a:schemeClr val="accent1"/>
-          </a:fillRef>
-          <a:effectRef idx="0">
-            <a:schemeClr val="accent1"/>
-          </a:effectRef>
-          <a:fontRef idx="minor">
-            <a:schemeClr val="lt1"/>
-          </a:fontRef>
-        </p:style>
-        <p:txBody>
-          <a:bodyPr rtlCol="0" anchor="ctr"/>
-          <a:lstStyle/>
-          <a:p>
-            <a:pPr algn="ctr"/>
-            <a:endParaRPr lang="en-US"/>
-          </a:p>
-        </p:txBody>
-      </p:sp>
-      <p:sp>
-        <p:nvSpPr>
-          <p:cNvPr id="52" name="TextBox 51">
-            <a:extLst>
-              <a:ext uri="{FF2B5EF4-FFF2-40B4-BE49-F238E27FC236}">
-                <a16:creationId xmlns:a16="http://schemas.microsoft.com/office/drawing/2014/main" id="{80CE2BF3-ADC8-4576-8638-BA31D0C7A3C8}"/>
-              </a:ext>
-            </a:extLst>
-          </p:cNvPr>
-          <p:cNvSpPr txBox="1"/>
-          <p:nvPr/>
-        </p:nvSpPr>
-        <p:spPr>
-          <a:xfrm>
-            <a:off x="8801426" y="5230484"/>
-            <a:ext cx="383438" cy="313932"/>
-          </a:xfrm>
-          <a:prstGeom prst="rect">
-            <a:avLst/>
-          </a:prstGeom>
-          <a:noFill/>
-        </p:spPr>
-        <p:txBody>
-          <a:bodyPr wrap="none" rtlCol="0">
-            <a:spAutoFit/>
-          </a:bodyPr>
-          <a:lstStyle/>
-          <a:p>
-            <a:pPr algn="ctr">
-              <a:lnSpc>
-                <a:spcPct val="120000"/>
-              </a:lnSpc>
-            </a:pPr>
-            <a:r>
-              <a:rPr lang="en-US" altLang="ko-KR" sz="1200" spc="-50">
-                <a:ln>
-                  <a:solidFill>
-                    <a:schemeClr val="accent1">
-                      <a:alpha val="0"/>
-                    </a:schemeClr>
-                  </a:solidFill>
-                </a:ln>
-                <a:solidFill>
-                  <a:schemeClr val="bg1"/>
-                </a:solidFill>
-                <a:latin typeface="G마켓 산스 Bold" panose="02000000000000000000" pitchFamily="50" charset="-127"/>
-                <a:ea typeface="G마켓 산스 Bold" panose="02000000000000000000" pitchFamily="50" charset="-127"/>
-              </a:rPr>
-              <a:t>02</a:t>
-            </a:r>
-            <a:endParaRPr lang="en-US" altLang="ko-KR" sz="1200" spc="-50" dirty="0">
-              <a:ln>
-                <a:solidFill>
-                  <a:schemeClr val="accent1">
-                    <a:alpha val="0"/>
-                  </a:schemeClr>
-                </a:solidFill>
-              </a:ln>
-              <a:solidFill>
-                <a:schemeClr val="bg1"/>
-              </a:solidFill>
-              <a:latin typeface="G마켓 산스 Bold" panose="02000000000000000000" pitchFamily="50" charset="-127"/>
-              <a:ea typeface="G마켓 산스 Bold" panose="02000000000000000000" pitchFamily="50" charset="-127"/>
-            </a:endParaRPr>
-          </a:p>
-        </p:txBody>
-      </p:sp>
-    </p:spTree>
-    <p:extLst>
-      <p:ext uri="{BB962C8B-B14F-4D97-AF65-F5344CB8AC3E}">
-        <p14:creationId xmlns:p14="http://schemas.microsoft.com/office/powerpoint/2010/main" val="4280127033"/>
-      </p:ext>
-    </p:extLst>
-  </p:cSld>
-  <p:clrMapOvr>
-    <a:masterClrMapping/>
-  </p:clrMapOvr>
-</p:sld>
-</file>
-
-<file path=ppt/slides/slide20.xml><?xml version="1.0" encoding="utf-8"?>
-<p:sld xmlns:a="http://schemas.openxmlformats.org/drawingml/2006/main" xmlns:r="http://schemas.openxmlformats.org/officeDocument/2006/relationships" xmlns:p="http://schemas.openxmlformats.org/presentationml/2006/main">
-  <p:cSld>
-    <p:spTree>
-      <p:nvGrpSpPr>
-        <p:cNvPr id="1" name=""/>
-        <p:cNvGrpSpPr/>
-        <p:nvPr/>
-      </p:nvGrpSpPr>
-      <p:grpSpPr>
-        <a:xfrm>
-          <a:off x="0" y="0"/>
-          <a:ext cx="0" cy="0"/>
-          <a:chOff x="0" y="0"/>
-          <a:chExt cx="0" cy="0"/>
-        </a:xfrm>
-      </p:grpSpPr>
-      <p:sp>
-        <p:nvSpPr>
-          <p:cNvPr id="8" name="모서리가 둥근 직사각형 14">
-            <a:extLst>
-              <a:ext uri="{FF2B5EF4-FFF2-40B4-BE49-F238E27FC236}">
-                <a16:creationId xmlns:a16="http://schemas.microsoft.com/office/drawing/2014/main" id="{3B56FC33-798E-4723-AA4D-D75E0D588902}"/>
-              </a:ext>
-            </a:extLst>
-          </p:cNvPr>
-          <p:cNvSpPr/>
-          <p:nvPr/>
-        </p:nvSpPr>
-        <p:spPr>
-          <a:xfrm>
-            <a:off x="5712982" y="0"/>
-            <a:ext cx="766036" cy="707722"/>
-          </a:xfrm>
-          <a:prstGeom prst="roundRect">
-            <a:avLst>
-              <a:gd name="adj" fmla="val 0"/>
-            </a:avLst>
-          </a:prstGeom>
-          <a:gradFill>
-            <a:gsLst>
-              <a:gs pos="0">
-                <a:srgbClr val="0F4B81"/>
-              </a:gs>
-              <a:gs pos="100000">
-                <a:srgbClr val="082744"/>
-              </a:gs>
-            </a:gsLst>
-            <a:lin ang="5400000" scaled="1"/>
-          </a:gradFill>
-          <a:ln>
-            <a:noFill/>
-          </a:ln>
-        </p:spPr>
-        <p:style>
-          <a:lnRef idx="2">
-            <a:schemeClr val="accent1">
-              <a:shade val="50000"/>
-            </a:schemeClr>
-          </a:lnRef>
-          <a:fillRef idx="1">
-            <a:schemeClr val="accent1"/>
-          </a:fillRef>
-          <a:effectRef idx="0">
-            <a:schemeClr val="accent1"/>
-          </a:effectRef>
-          <a:fontRef idx="minor">
-            <a:schemeClr val="lt1"/>
-          </a:fontRef>
-        </p:style>
-        <p:txBody>
-          <a:bodyPr rtlCol="0" anchor="ctr"/>
-          <a:lstStyle/>
-          <a:p>
-            <a:pPr algn="ctr"/>
-            <a:endParaRPr lang="ko-KR" altLang="en-US"/>
-          </a:p>
-        </p:txBody>
-      </p:sp>
-      <p:sp>
-        <p:nvSpPr>
-          <p:cNvPr id="9" name="TextBox 8">
-            <a:extLst>
-              <a:ext uri="{FF2B5EF4-FFF2-40B4-BE49-F238E27FC236}">
-                <a16:creationId xmlns:a16="http://schemas.microsoft.com/office/drawing/2014/main" id="{54367A85-3F67-4C12-A23E-6B872E42C67B}"/>
-              </a:ext>
-            </a:extLst>
-          </p:cNvPr>
-          <p:cNvSpPr txBox="1"/>
-          <p:nvPr/>
-        </p:nvSpPr>
-        <p:spPr>
-          <a:xfrm>
-            <a:off x="5824932" y="168320"/>
-            <a:ext cx="542136" cy="400110"/>
-          </a:xfrm>
-          <a:prstGeom prst="rect">
-            <a:avLst/>
-          </a:prstGeom>
-          <a:noFill/>
-        </p:spPr>
-        <p:txBody>
-          <a:bodyPr wrap="none" rtlCol="0">
-            <a:spAutoFit/>
-          </a:bodyPr>
-          <a:lstStyle/>
-          <a:p>
-            <a:pPr algn="ctr"/>
-            <a:r>
-              <a:rPr lang="en-US" sz="2000">
-                <a:ln>
-                  <a:solidFill>
-                    <a:schemeClr val="accent1">
-                      <a:alpha val="0"/>
-                    </a:schemeClr>
-                  </a:solidFill>
-                </a:ln>
-                <a:solidFill>
-                  <a:schemeClr val="bg1"/>
-                </a:solidFill>
-                <a:latin typeface="G마켓 산스 Bold" panose="02000000000000000000" pitchFamily="50" charset="-127"/>
-                <a:ea typeface="G마켓 산스 Bold" panose="02000000000000000000" pitchFamily="50" charset="-127"/>
-              </a:rPr>
-              <a:t>04</a:t>
-            </a:r>
-            <a:endParaRPr lang="en-US" sz="2000" dirty="0">
-              <a:ln>
-                <a:solidFill>
-                  <a:schemeClr val="accent1">
-                    <a:alpha val="0"/>
-                  </a:schemeClr>
-                </a:solidFill>
-              </a:ln>
-              <a:solidFill>
-                <a:schemeClr val="bg1"/>
-              </a:solidFill>
-              <a:latin typeface="G마켓 산스 Bold" panose="02000000000000000000" pitchFamily="50" charset="-127"/>
-              <a:ea typeface="G마켓 산스 Bold" panose="02000000000000000000" pitchFamily="50" charset="-127"/>
-            </a:endParaRPr>
-          </a:p>
-        </p:txBody>
-      </p:sp>
-      <p:sp>
-        <p:nvSpPr>
-          <p:cNvPr id="11" name="TextBox 10">
-            <a:extLst>
-              <a:ext uri="{FF2B5EF4-FFF2-40B4-BE49-F238E27FC236}">
-                <a16:creationId xmlns:a16="http://schemas.microsoft.com/office/drawing/2014/main" id="{0363BFF9-F95D-4452-97B2-A38422B82EA9}"/>
-              </a:ext>
-            </a:extLst>
-          </p:cNvPr>
-          <p:cNvSpPr txBox="1"/>
-          <p:nvPr/>
-        </p:nvSpPr>
-        <p:spPr>
-          <a:xfrm>
-            <a:off x="672898" y="982711"/>
-            <a:ext cx="10846238" cy="535531"/>
-          </a:xfrm>
-          <a:prstGeom prst="rect">
-            <a:avLst/>
-          </a:prstGeom>
-          <a:noFill/>
-        </p:spPr>
-        <p:txBody>
-          <a:bodyPr wrap="none" rtlCol="0">
-            <a:spAutoFit/>
-          </a:bodyPr>
-          <a:lstStyle/>
-          <a:p>
-            <a:pPr algn="ctr">
-              <a:lnSpc>
-                <a:spcPct val="120000"/>
-              </a:lnSpc>
-            </a:pPr>
-            <a:r>
-              <a:rPr lang="en-US" altLang="ko-KR" sz="2400" spc="-50">
-                <a:ln>
-                  <a:solidFill>
-                    <a:schemeClr val="accent1">
-                      <a:alpha val="0"/>
-                    </a:schemeClr>
-                  </a:solidFill>
-                </a:ln>
-                <a:solidFill>
-                  <a:schemeClr val="tx1">
-                    <a:lumMod val="75000"/>
-                    <a:lumOff val="25000"/>
-                  </a:schemeClr>
-                </a:solidFill>
-                <a:latin typeface="G마켓 산스 Bold" panose="02000000000000000000" pitchFamily="50" charset="-127"/>
-                <a:ea typeface="G마켓 산스 Bold" panose="02000000000000000000" pitchFamily="50" charset="-127"/>
-              </a:rPr>
-              <a:t>Attitudes toward Unification after the Panmunjom Declaration</a:t>
-            </a:r>
-            <a:endParaRPr lang="en-US" altLang="ko-KR" sz="2400" spc="-50" dirty="0">
-              <a:ln>
-                <a:solidFill>
-                  <a:schemeClr val="accent1">
-                    <a:alpha val="0"/>
-                  </a:schemeClr>
-                </a:solidFill>
-              </a:ln>
-              <a:solidFill>
-                <a:schemeClr val="tx1">
-                  <a:lumMod val="75000"/>
-                  <a:lumOff val="25000"/>
-                </a:schemeClr>
-              </a:solidFill>
-              <a:latin typeface="G마켓 산스 Bold" panose="02000000000000000000" pitchFamily="50" charset="-127"/>
-              <a:ea typeface="G마켓 산스 Bold" panose="02000000000000000000" pitchFamily="50" charset="-127"/>
-            </a:endParaRPr>
-          </a:p>
-        </p:txBody>
-      </p:sp>
-      <p:pic>
-        <p:nvPicPr>
-          <p:cNvPr id="6" name="그림 5">
-            <a:extLst>
-              <a:ext uri="{FF2B5EF4-FFF2-40B4-BE49-F238E27FC236}">
-                <a16:creationId xmlns:a16="http://schemas.microsoft.com/office/drawing/2014/main" id="{0DD7E291-DB9F-43E8-BBC8-48CCBCF604EE}"/>
-              </a:ext>
-            </a:extLst>
-          </p:cNvPr>
-          <p:cNvPicPr>
-            <a:picLocks noChangeAspect="1"/>
-          </p:cNvPicPr>
-          <p:nvPr/>
-        </p:nvPicPr>
-        <p:blipFill>
-          <a:blip r:embed="rId3" cstate="print">
-            <a:extLst>
-              <a:ext uri="{28A0092B-C50C-407E-A947-70E740481C1C}">
-                <a14:useLocalDpi xmlns:a14="http://schemas.microsoft.com/office/drawing/2010/main" val="0"/>
-              </a:ext>
-            </a:extLst>
-          </a:blip>
-          <a:stretch>
-            <a:fillRect/>
-          </a:stretch>
-        </p:blipFill>
-        <p:spPr>
-          <a:xfrm>
             <a:off x="4090287" y="1518242"/>
             <a:ext cx="4011428" cy="4680000"/>
           </a:xfrm>
@@ -13724,7 +12473,870 @@
 </p:sld>
 </file>
 
-<file path=ppt/slides/slide21.xml><?xml version="1.0" encoding="utf-8"?>
+<file path=ppt/slides/slide2.xml><?xml version="1.0" encoding="utf-8"?>
+<p:sld xmlns:a="http://schemas.openxmlformats.org/drawingml/2006/main" xmlns:r="http://schemas.openxmlformats.org/officeDocument/2006/relationships" xmlns:p="http://schemas.openxmlformats.org/presentationml/2006/main">
+  <p:cSld>
+    <p:spTree>
+      <p:nvGrpSpPr>
+        <p:cNvPr id="1" name=""/>
+        <p:cNvGrpSpPr/>
+        <p:nvPr/>
+      </p:nvGrpSpPr>
+      <p:grpSpPr>
+        <a:xfrm>
+          <a:off x="0" y="0"/>
+          <a:ext cx="0" cy="0"/>
+          <a:chOff x="0" y="0"/>
+          <a:chExt cx="0" cy="0"/>
+        </a:xfrm>
+      </p:grpSpPr>
+      <p:sp>
+        <p:nvSpPr>
+          <p:cNvPr id="8" name="모서리가 둥근 직사각형 14">
+            <a:extLst>
+              <a:ext uri="{FF2B5EF4-FFF2-40B4-BE49-F238E27FC236}">
+                <a16:creationId xmlns:a16="http://schemas.microsoft.com/office/drawing/2014/main" id="{3B56FC33-798E-4723-AA4D-D75E0D588902}"/>
+              </a:ext>
+            </a:extLst>
+          </p:cNvPr>
+          <p:cNvSpPr/>
+          <p:nvPr/>
+        </p:nvSpPr>
+        <p:spPr>
+          <a:xfrm>
+            <a:off x="5712982" y="0"/>
+            <a:ext cx="766036" cy="707722"/>
+          </a:xfrm>
+          <a:prstGeom prst="roundRect">
+            <a:avLst>
+              <a:gd name="adj" fmla="val 0"/>
+            </a:avLst>
+          </a:prstGeom>
+          <a:gradFill>
+            <a:gsLst>
+              <a:gs pos="0">
+                <a:srgbClr val="0F4B81"/>
+              </a:gs>
+              <a:gs pos="100000">
+                <a:srgbClr val="082744"/>
+              </a:gs>
+            </a:gsLst>
+            <a:lin ang="5400000" scaled="1"/>
+          </a:gradFill>
+          <a:ln>
+            <a:noFill/>
+          </a:ln>
+        </p:spPr>
+        <p:style>
+          <a:lnRef idx="2">
+            <a:schemeClr val="accent1">
+              <a:shade val="50000"/>
+            </a:schemeClr>
+          </a:lnRef>
+          <a:fillRef idx="1">
+            <a:schemeClr val="accent1"/>
+          </a:fillRef>
+          <a:effectRef idx="0">
+            <a:schemeClr val="accent1"/>
+          </a:effectRef>
+          <a:fontRef idx="minor">
+            <a:schemeClr val="lt1"/>
+          </a:fontRef>
+        </p:style>
+        <p:txBody>
+          <a:bodyPr rtlCol="0" anchor="ctr"/>
+          <a:lstStyle/>
+          <a:p>
+            <a:pPr algn="ctr"/>
+            <a:endParaRPr lang="ko-KR" altLang="en-US"/>
+          </a:p>
+        </p:txBody>
+      </p:sp>
+      <p:sp>
+        <p:nvSpPr>
+          <p:cNvPr id="9" name="TextBox 8">
+            <a:extLst>
+              <a:ext uri="{FF2B5EF4-FFF2-40B4-BE49-F238E27FC236}">
+                <a16:creationId xmlns:a16="http://schemas.microsoft.com/office/drawing/2014/main" id="{54367A85-3F67-4C12-A23E-6B872E42C67B}"/>
+              </a:ext>
+            </a:extLst>
+          </p:cNvPr>
+          <p:cNvSpPr txBox="1"/>
+          <p:nvPr/>
+        </p:nvSpPr>
+        <p:spPr>
+          <a:xfrm>
+            <a:off x="5852183" y="168320"/>
+            <a:ext cx="487634" cy="400110"/>
+          </a:xfrm>
+          <a:prstGeom prst="rect">
+            <a:avLst/>
+          </a:prstGeom>
+          <a:noFill/>
+        </p:spPr>
+        <p:txBody>
+          <a:bodyPr wrap="none" rtlCol="0">
+            <a:spAutoFit/>
+          </a:bodyPr>
+          <a:lstStyle/>
+          <a:p>
+            <a:pPr algn="ctr"/>
+            <a:r>
+              <a:rPr lang="en-US" sz="2000" dirty="0">
+                <a:ln>
+                  <a:solidFill>
+                    <a:schemeClr val="accent1">
+                      <a:alpha val="0"/>
+                    </a:schemeClr>
+                  </a:solidFill>
+                </a:ln>
+                <a:solidFill>
+                  <a:schemeClr val="bg1"/>
+                </a:solidFill>
+                <a:latin typeface="G마켓 산스 Bold" panose="02000000000000000000" pitchFamily="50" charset="-127"/>
+                <a:ea typeface="G마켓 산스 Bold" panose="02000000000000000000" pitchFamily="50" charset="-127"/>
+              </a:rPr>
+              <a:t>01</a:t>
+            </a:r>
+          </a:p>
+        </p:txBody>
+      </p:sp>
+      <p:sp>
+        <p:nvSpPr>
+          <p:cNvPr id="11" name="TextBox 10">
+            <a:extLst>
+              <a:ext uri="{FF2B5EF4-FFF2-40B4-BE49-F238E27FC236}">
+                <a16:creationId xmlns:a16="http://schemas.microsoft.com/office/drawing/2014/main" id="{0363BFF9-F95D-4452-97B2-A38422B82EA9}"/>
+              </a:ext>
+            </a:extLst>
+          </p:cNvPr>
+          <p:cNvSpPr txBox="1"/>
+          <p:nvPr/>
+        </p:nvSpPr>
+        <p:spPr>
+          <a:xfrm>
+            <a:off x="4851919" y="982711"/>
+            <a:ext cx="2488182" cy="609398"/>
+          </a:xfrm>
+          <a:prstGeom prst="rect">
+            <a:avLst/>
+          </a:prstGeom>
+          <a:noFill/>
+        </p:spPr>
+        <p:txBody>
+          <a:bodyPr wrap="none" rtlCol="0">
+            <a:spAutoFit/>
+          </a:bodyPr>
+          <a:lstStyle/>
+          <a:p>
+            <a:pPr algn="ctr">
+              <a:lnSpc>
+                <a:spcPct val="120000"/>
+              </a:lnSpc>
+            </a:pPr>
+            <a:r>
+              <a:rPr lang="en-US" altLang="ko-KR" sz="2800" spc="-50">
+                <a:ln>
+                  <a:solidFill>
+                    <a:schemeClr val="accent1">
+                      <a:alpha val="0"/>
+                    </a:schemeClr>
+                  </a:solidFill>
+                </a:ln>
+                <a:solidFill>
+                  <a:schemeClr val="tx1">
+                    <a:lumMod val="75000"/>
+                    <a:lumOff val="25000"/>
+                  </a:schemeClr>
+                </a:solidFill>
+                <a:latin typeface="G마켓 산스 Bold" panose="02000000000000000000" pitchFamily="50" charset="-127"/>
+                <a:ea typeface="G마켓 산스 Bold" panose="02000000000000000000" pitchFamily="50" charset="-127"/>
+              </a:rPr>
+              <a:t>Motivations</a:t>
+            </a:r>
+            <a:endParaRPr lang="en-US" altLang="ko-KR" sz="2800" spc="-50" dirty="0">
+              <a:ln>
+                <a:solidFill>
+                  <a:schemeClr val="accent1">
+                    <a:alpha val="0"/>
+                  </a:schemeClr>
+                </a:solidFill>
+              </a:ln>
+              <a:solidFill>
+                <a:schemeClr val="tx1">
+                  <a:lumMod val="75000"/>
+                  <a:lumOff val="25000"/>
+                </a:schemeClr>
+              </a:solidFill>
+              <a:latin typeface="G마켓 산스 Bold" panose="02000000000000000000" pitchFamily="50" charset="-127"/>
+              <a:ea typeface="G마켓 산스 Bold" panose="02000000000000000000" pitchFamily="50" charset="-127"/>
+            </a:endParaRPr>
+          </a:p>
+        </p:txBody>
+      </p:sp>
+      <p:pic>
+        <p:nvPicPr>
+          <p:cNvPr id="1026" name="Picture 2">
+            <a:extLst>
+              <a:ext uri="{FF2B5EF4-FFF2-40B4-BE49-F238E27FC236}">
+                <a16:creationId xmlns:a16="http://schemas.microsoft.com/office/drawing/2014/main" id="{C173AA3D-E9F8-45E1-953B-A3A42EE54571}"/>
+              </a:ext>
+            </a:extLst>
+          </p:cNvPr>
+          <p:cNvPicPr>
+            <a:picLocks noChangeAspect="1" noChangeArrowheads="1"/>
+          </p:cNvPicPr>
+          <p:nvPr/>
+        </p:nvPicPr>
+        <p:blipFill>
+          <a:blip r:embed="rId3">
+            <a:extLst>
+              <a:ext uri="{28A0092B-C50C-407E-A947-70E740481C1C}">
+                <a14:useLocalDpi xmlns:a14="http://schemas.microsoft.com/office/drawing/2010/main" val="0"/>
+              </a:ext>
+            </a:extLst>
+          </a:blip>
+          <a:srcRect/>
+          <a:stretch>
+            <a:fillRect/>
+          </a:stretch>
+        </p:blipFill>
+        <p:spPr bwMode="auto">
+          <a:xfrm>
+            <a:off x="573306" y="1867098"/>
+            <a:ext cx="5278877" cy="3519251"/>
+          </a:xfrm>
+          <a:prstGeom prst="rect">
+            <a:avLst/>
+          </a:prstGeom>
+          <a:noFill/>
+          <a:extLst>
+            <a:ext uri="{909E8E84-426E-40DD-AFC4-6F175D3DCCD1}">
+              <a14:hiddenFill xmlns:a14="http://schemas.microsoft.com/office/drawing/2010/main">
+                <a:solidFill>
+                  <a:srgbClr val="FFFFFF"/>
+                </a:solidFill>
+              </a14:hiddenFill>
+            </a:ext>
+          </a:extLst>
+        </p:spPr>
+      </p:pic>
+      <p:sp>
+        <p:nvSpPr>
+          <p:cNvPr id="10" name="TextBox 9">
+            <a:extLst>
+              <a:ext uri="{FF2B5EF4-FFF2-40B4-BE49-F238E27FC236}">
+                <a16:creationId xmlns:a16="http://schemas.microsoft.com/office/drawing/2014/main" id="{D56AC8D7-1CCE-4C85-A17E-2A423FEC2677}"/>
+              </a:ext>
+            </a:extLst>
+          </p:cNvPr>
+          <p:cNvSpPr txBox="1"/>
+          <p:nvPr/>
+        </p:nvSpPr>
+        <p:spPr>
+          <a:xfrm>
+            <a:off x="1559511" y="5762015"/>
+            <a:ext cx="3129383" cy="350865"/>
+          </a:xfrm>
+          <a:prstGeom prst="rect">
+            <a:avLst/>
+          </a:prstGeom>
+          <a:noFill/>
+        </p:spPr>
+        <p:txBody>
+          <a:bodyPr wrap="none" rtlCol="0">
+            <a:spAutoFit/>
+          </a:bodyPr>
+          <a:lstStyle/>
+          <a:p>
+            <a:pPr algn="ctr">
+              <a:lnSpc>
+                <a:spcPct val="120000"/>
+              </a:lnSpc>
+            </a:pPr>
+            <a:r>
+              <a:rPr lang="en-US" altLang="ko-KR" sz="1400" spc="-50">
+                <a:ln>
+                  <a:solidFill>
+                    <a:schemeClr val="accent1">
+                      <a:alpha val="0"/>
+                    </a:schemeClr>
+                  </a:solidFill>
+                </a:ln>
+                <a:solidFill>
+                  <a:schemeClr val="tx1">
+                    <a:lumMod val="75000"/>
+                    <a:lumOff val="25000"/>
+                  </a:schemeClr>
+                </a:solidFill>
+                <a:latin typeface="G마켓 산스 Bold" panose="02000000000000000000" pitchFamily="50" charset="-127"/>
+                <a:ea typeface="G마켓 산스 Bold" panose="02000000000000000000" pitchFamily="50" charset="-127"/>
+              </a:rPr>
+              <a:t>Pyeongchang Winter Olympics</a:t>
+            </a:r>
+            <a:endParaRPr lang="en-US" altLang="ko-KR" sz="1400" spc="-50" dirty="0">
+              <a:ln>
+                <a:solidFill>
+                  <a:schemeClr val="accent1">
+                    <a:alpha val="0"/>
+                  </a:schemeClr>
+                </a:solidFill>
+              </a:ln>
+              <a:solidFill>
+                <a:schemeClr val="tx1">
+                  <a:lumMod val="75000"/>
+                  <a:lumOff val="25000"/>
+                </a:schemeClr>
+              </a:solidFill>
+              <a:latin typeface="G마켓 산스 Bold" panose="02000000000000000000" pitchFamily="50" charset="-127"/>
+              <a:ea typeface="G마켓 산스 Bold" panose="02000000000000000000" pitchFamily="50" charset="-127"/>
+            </a:endParaRPr>
+          </a:p>
+        </p:txBody>
+      </p:sp>
+      <p:sp>
+        <p:nvSpPr>
+          <p:cNvPr id="14" name="TextBox 13">
+            <a:extLst>
+              <a:ext uri="{FF2B5EF4-FFF2-40B4-BE49-F238E27FC236}">
+                <a16:creationId xmlns:a16="http://schemas.microsoft.com/office/drawing/2014/main" id="{6568B828-F281-44B2-ADCC-6640ABA4346D}"/>
+              </a:ext>
+            </a:extLst>
+          </p:cNvPr>
+          <p:cNvSpPr txBox="1"/>
+          <p:nvPr/>
+        </p:nvSpPr>
+        <p:spPr>
+          <a:xfrm>
+            <a:off x="956793" y="6112882"/>
+            <a:ext cx="4334841" cy="313932"/>
+          </a:xfrm>
+          <a:prstGeom prst="rect">
+            <a:avLst/>
+          </a:prstGeom>
+          <a:noFill/>
+        </p:spPr>
+        <p:txBody>
+          <a:bodyPr wrap="none" rtlCol="0">
+            <a:spAutoFit/>
+          </a:bodyPr>
+          <a:lstStyle/>
+          <a:p>
+            <a:pPr algn="ctr">
+              <a:lnSpc>
+                <a:spcPct val="120000"/>
+              </a:lnSpc>
+            </a:pPr>
+            <a:r>
+              <a:rPr lang="en-US" altLang="ko-KR" sz="1200" spc="-20">
+                <a:ln>
+                  <a:solidFill>
+                    <a:schemeClr val="accent1">
+                      <a:alpha val="0"/>
+                    </a:schemeClr>
+                  </a:solidFill>
+                </a:ln>
+                <a:solidFill>
+                  <a:schemeClr val="tx1">
+                    <a:lumMod val="75000"/>
+                    <a:lumOff val="25000"/>
+                  </a:schemeClr>
+                </a:solidFill>
+                <a:latin typeface="G마켓 산스 Medium" panose="02000000000000000000" pitchFamily="50" charset="-127"/>
+                <a:ea typeface="G마켓 산스 Medium" panose="02000000000000000000" pitchFamily="50" charset="-127"/>
+              </a:rPr>
+              <a:t>NK sent athletes, cheering squads, and art troupes</a:t>
+            </a:r>
+            <a:endParaRPr lang="en-US" altLang="ko-KR" sz="1200" spc="-20" dirty="0">
+              <a:ln>
+                <a:solidFill>
+                  <a:schemeClr val="accent1">
+                    <a:alpha val="0"/>
+                  </a:schemeClr>
+                </a:solidFill>
+              </a:ln>
+              <a:solidFill>
+                <a:schemeClr val="tx1">
+                  <a:lumMod val="75000"/>
+                  <a:lumOff val="25000"/>
+                </a:schemeClr>
+              </a:solidFill>
+              <a:latin typeface="G마켓 산스 Medium" panose="02000000000000000000" pitchFamily="50" charset="-127"/>
+              <a:ea typeface="G마켓 산스 Medium" panose="02000000000000000000" pitchFamily="50" charset="-127"/>
+            </a:endParaRPr>
+          </a:p>
+        </p:txBody>
+      </p:sp>
+      <p:sp>
+        <p:nvSpPr>
+          <p:cNvPr id="15" name="타원 14">
+            <a:extLst>
+              <a:ext uri="{FF2B5EF4-FFF2-40B4-BE49-F238E27FC236}">
+                <a16:creationId xmlns:a16="http://schemas.microsoft.com/office/drawing/2014/main" id="{B81A9CD8-0A01-4405-BC67-2CDF1F6A3D78}"/>
+              </a:ext>
+            </a:extLst>
+          </p:cNvPr>
+          <p:cNvSpPr/>
+          <p:nvPr/>
+        </p:nvSpPr>
+        <p:spPr>
+          <a:xfrm>
+            <a:off x="2874109" y="5221349"/>
+            <a:ext cx="350864" cy="350864"/>
+          </a:xfrm>
+          <a:prstGeom prst="ellipse">
+            <a:avLst/>
+          </a:prstGeom>
+          <a:solidFill>
+            <a:srgbClr val="0F4B81"/>
+          </a:solidFill>
+          <a:ln>
+            <a:noFill/>
+          </a:ln>
+        </p:spPr>
+        <p:style>
+          <a:lnRef idx="2">
+            <a:schemeClr val="accent1">
+              <a:shade val="50000"/>
+            </a:schemeClr>
+          </a:lnRef>
+          <a:fillRef idx="1">
+            <a:schemeClr val="accent1"/>
+          </a:fillRef>
+          <a:effectRef idx="0">
+            <a:schemeClr val="accent1"/>
+          </a:effectRef>
+          <a:fontRef idx="minor">
+            <a:schemeClr val="lt1"/>
+          </a:fontRef>
+        </p:style>
+        <p:txBody>
+          <a:bodyPr rtlCol="0" anchor="ctr"/>
+          <a:lstStyle/>
+          <a:p>
+            <a:pPr algn="ctr"/>
+            <a:endParaRPr lang="en-US"/>
+          </a:p>
+        </p:txBody>
+      </p:sp>
+      <p:sp>
+        <p:nvSpPr>
+          <p:cNvPr id="16" name="TextBox 15">
+            <a:extLst>
+              <a:ext uri="{FF2B5EF4-FFF2-40B4-BE49-F238E27FC236}">
+                <a16:creationId xmlns:a16="http://schemas.microsoft.com/office/drawing/2014/main" id="{8596165A-3E56-49E3-A2AD-2DAEAC8D7F2C}"/>
+              </a:ext>
+            </a:extLst>
+          </p:cNvPr>
+          <p:cNvSpPr txBox="1"/>
+          <p:nvPr/>
+        </p:nvSpPr>
+        <p:spPr>
+          <a:xfrm>
+            <a:off x="2872249" y="5230484"/>
+            <a:ext cx="354584" cy="313932"/>
+          </a:xfrm>
+          <a:prstGeom prst="rect">
+            <a:avLst/>
+          </a:prstGeom>
+          <a:noFill/>
+        </p:spPr>
+        <p:txBody>
+          <a:bodyPr wrap="none" rtlCol="0">
+            <a:spAutoFit/>
+          </a:bodyPr>
+          <a:lstStyle/>
+          <a:p>
+            <a:pPr algn="ctr">
+              <a:lnSpc>
+                <a:spcPct val="120000"/>
+              </a:lnSpc>
+            </a:pPr>
+            <a:r>
+              <a:rPr lang="en-US" altLang="ko-KR" sz="1200" spc="-50" dirty="0">
+                <a:ln>
+                  <a:solidFill>
+                    <a:schemeClr val="accent1">
+                      <a:alpha val="0"/>
+                    </a:schemeClr>
+                  </a:solidFill>
+                </a:ln>
+                <a:solidFill>
+                  <a:schemeClr val="bg1"/>
+                </a:solidFill>
+                <a:latin typeface="G마켓 산스 Bold" panose="02000000000000000000" pitchFamily="50" charset="-127"/>
+                <a:ea typeface="G마켓 산스 Bold" panose="02000000000000000000" pitchFamily="50" charset="-127"/>
+              </a:rPr>
+              <a:t>01</a:t>
+            </a:r>
+          </a:p>
+        </p:txBody>
+      </p:sp>
+      <p:pic>
+        <p:nvPicPr>
+          <p:cNvPr id="1030" name="Picture 6" descr="▲ 문재인 대통령과 김정은 국무위원장이 처음 만나 군사분계선에서 악수하고 있다. 사진=한국공동사진취재단">
+            <a:extLst>
+              <a:ext uri="{FF2B5EF4-FFF2-40B4-BE49-F238E27FC236}">
+                <a16:creationId xmlns:a16="http://schemas.microsoft.com/office/drawing/2014/main" id="{1AE63DE4-2A4A-4148-A32F-1AD00AA05DF3}"/>
+              </a:ext>
+            </a:extLst>
+          </p:cNvPr>
+          <p:cNvPicPr>
+            <a:picLocks noChangeAspect="1" noChangeArrowheads="1"/>
+          </p:cNvPicPr>
+          <p:nvPr/>
+        </p:nvPicPr>
+        <p:blipFill>
+          <a:blip r:embed="rId4">
+            <a:extLst>
+              <a:ext uri="{28A0092B-C50C-407E-A947-70E740481C1C}">
+                <a14:useLocalDpi xmlns:a14="http://schemas.microsoft.com/office/drawing/2010/main" val="0"/>
+              </a:ext>
+            </a:extLst>
+          </a:blip>
+          <a:srcRect/>
+          <a:stretch>
+            <a:fillRect/>
+          </a:stretch>
+        </p:blipFill>
+        <p:spPr bwMode="auto">
+          <a:xfrm>
+            <a:off x="6339817" y="1867098"/>
+            <a:ext cx="5278877" cy="3517052"/>
+          </a:xfrm>
+          <a:prstGeom prst="rect">
+            <a:avLst/>
+          </a:prstGeom>
+          <a:noFill/>
+          <a:extLst>
+            <a:ext uri="{909E8E84-426E-40DD-AFC4-6F175D3DCCD1}">
+              <a14:hiddenFill xmlns:a14="http://schemas.microsoft.com/office/drawing/2010/main">
+                <a:solidFill>
+                  <a:srgbClr val="FFFFFF"/>
+                </a:solidFill>
+              </a14:hiddenFill>
+            </a:ext>
+          </a:extLst>
+        </p:spPr>
+      </p:pic>
+      <p:sp>
+        <p:nvSpPr>
+          <p:cNvPr id="49" name="TextBox 48">
+            <a:extLst>
+              <a:ext uri="{FF2B5EF4-FFF2-40B4-BE49-F238E27FC236}">
+                <a16:creationId xmlns:a16="http://schemas.microsoft.com/office/drawing/2014/main" id="{EB2B37A9-AFF8-4D5D-B0AE-EB8A440C0AE5}"/>
+              </a:ext>
+            </a:extLst>
+          </p:cNvPr>
+          <p:cNvSpPr txBox="1"/>
+          <p:nvPr/>
+        </p:nvSpPr>
+        <p:spPr>
+          <a:xfrm>
+            <a:off x="7590480" y="5762015"/>
+            <a:ext cx="2954655" cy="350865"/>
+          </a:xfrm>
+          <a:prstGeom prst="rect">
+            <a:avLst/>
+          </a:prstGeom>
+          <a:noFill/>
+        </p:spPr>
+        <p:txBody>
+          <a:bodyPr wrap="none" rtlCol="0">
+            <a:spAutoFit/>
+          </a:bodyPr>
+          <a:lstStyle/>
+          <a:p>
+            <a:pPr algn="ctr">
+              <a:lnSpc>
+                <a:spcPct val="120000"/>
+              </a:lnSpc>
+            </a:pPr>
+            <a:r>
+              <a:rPr lang="en-US" altLang="ko-KR" sz="1400" spc="-50">
+                <a:ln>
+                  <a:solidFill>
+                    <a:schemeClr val="accent1">
+                      <a:alpha val="0"/>
+                    </a:schemeClr>
+                  </a:solidFill>
+                </a:ln>
+                <a:solidFill>
+                  <a:schemeClr val="tx1">
+                    <a:lumMod val="75000"/>
+                    <a:lumOff val="25000"/>
+                  </a:schemeClr>
+                </a:solidFill>
+                <a:latin typeface="G마켓 산스 Bold" panose="02000000000000000000" pitchFamily="50" charset="-127"/>
+                <a:ea typeface="G마켓 산스 Bold" panose="02000000000000000000" pitchFamily="50" charset="-127"/>
+              </a:rPr>
+              <a:t>4. 27 Panmunjom Declaration</a:t>
+            </a:r>
+            <a:endParaRPr lang="en-US" altLang="ko-KR" sz="1400" spc="-50" dirty="0">
+              <a:ln>
+                <a:solidFill>
+                  <a:schemeClr val="accent1">
+                    <a:alpha val="0"/>
+                  </a:schemeClr>
+                </a:solidFill>
+              </a:ln>
+              <a:solidFill>
+                <a:schemeClr val="tx1">
+                  <a:lumMod val="75000"/>
+                  <a:lumOff val="25000"/>
+                </a:schemeClr>
+              </a:solidFill>
+              <a:latin typeface="G마켓 산스 Bold" panose="02000000000000000000" pitchFamily="50" charset="-127"/>
+              <a:ea typeface="G마켓 산스 Bold" panose="02000000000000000000" pitchFamily="50" charset="-127"/>
+            </a:endParaRPr>
+          </a:p>
+        </p:txBody>
+      </p:sp>
+      <p:sp>
+        <p:nvSpPr>
+          <p:cNvPr id="50" name="TextBox 49">
+            <a:extLst>
+              <a:ext uri="{FF2B5EF4-FFF2-40B4-BE49-F238E27FC236}">
+                <a16:creationId xmlns:a16="http://schemas.microsoft.com/office/drawing/2014/main" id="{96778EF4-B338-45A2-A0BE-A4F7F9FF99B7}"/>
+              </a:ext>
+            </a:extLst>
+          </p:cNvPr>
+          <p:cNvSpPr txBox="1"/>
+          <p:nvPr/>
+        </p:nvSpPr>
+        <p:spPr>
+          <a:xfrm>
+            <a:off x="6736235" y="6112882"/>
+            <a:ext cx="4663135" cy="526298"/>
+          </a:xfrm>
+          <a:prstGeom prst="rect">
+            <a:avLst/>
+          </a:prstGeom>
+          <a:noFill/>
+        </p:spPr>
+        <p:txBody>
+          <a:bodyPr wrap="none" rtlCol="0">
+            <a:spAutoFit/>
+          </a:bodyPr>
+          <a:lstStyle/>
+          <a:p>
+            <a:pPr algn="ctr">
+              <a:lnSpc>
+                <a:spcPct val="120000"/>
+              </a:lnSpc>
+            </a:pPr>
+            <a:r>
+              <a:rPr lang="en-US" sz="1200" spc="-20">
+                <a:ln>
+                  <a:solidFill>
+                    <a:schemeClr val="accent1">
+                      <a:alpha val="0"/>
+                    </a:schemeClr>
+                  </a:solidFill>
+                </a:ln>
+                <a:solidFill>
+                  <a:schemeClr val="tx1">
+                    <a:lumMod val="75000"/>
+                    <a:lumOff val="25000"/>
+                  </a:schemeClr>
+                </a:solidFill>
+                <a:latin typeface="G마켓 산스 Medium" panose="02000000000000000000" pitchFamily="50" charset="-127"/>
+                <a:ea typeface="G마켓 산스 Medium" panose="02000000000000000000" pitchFamily="50" charset="-127"/>
+              </a:rPr>
+              <a:t>The Panmunjom Declaration for Peace, Prosperity and </a:t>
+            </a:r>
+            <a:br>
+              <a:rPr lang="en-US" sz="1200" spc="-20">
+                <a:ln>
+                  <a:solidFill>
+                    <a:schemeClr val="accent1">
+                      <a:alpha val="0"/>
+                    </a:schemeClr>
+                  </a:solidFill>
+                </a:ln>
+                <a:solidFill>
+                  <a:schemeClr val="tx1">
+                    <a:lumMod val="75000"/>
+                    <a:lumOff val="25000"/>
+                  </a:schemeClr>
+                </a:solidFill>
+                <a:latin typeface="G마켓 산스 Medium" panose="02000000000000000000" pitchFamily="50" charset="-127"/>
+                <a:ea typeface="G마켓 산스 Medium" panose="02000000000000000000" pitchFamily="50" charset="-127"/>
+              </a:rPr>
+            </a:br>
+            <a:r>
+              <a:rPr lang="en-US" sz="1200" spc="-20">
+                <a:ln>
+                  <a:solidFill>
+                    <a:schemeClr val="accent1">
+                      <a:alpha val="0"/>
+                    </a:schemeClr>
+                  </a:solidFill>
+                </a:ln>
+                <a:solidFill>
+                  <a:schemeClr val="tx1">
+                    <a:lumMod val="75000"/>
+                    <a:lumOff val="25000"/>
+                  </a:schemeClr>
+                </a:solidFill>
+                <a:latin typeface="G마켓 산스 Medium" panose="02000000000000000000" pitchFamily="50" charset="-127"/>
+                <a:ea typeface="G마켓 산스 Medium" panose="02000000000000000000" pitchFamily="50" charset="-127"/>
+              </a:rPr>
+              <a:t>Reunification of the Korean Peninsula </a:t>
+            </a:r>
+            <a:endParaRPr lang="en-US" altLang="ko-KR" sz="1200" spc="-20" dirty="0">
+              <a:ln>
+                <a:solidFill>
+                  <a:schemeClr val="accent1">
+                    <a:alpha val="0"/>
+                  </a:schemeClr>
+                </a:solidFill>
+              </a:ln>
+              <a:solidFill>
+                <a:schemeClr val="tx1">
+                  <a:lumMod val="75000"/>
+                  <a:lumOff val="25000"/>
+                </a:schemeClr>
+              </a:solidFill>
+              <a:latin typeface="G마켓 산스 Medium" panose="02000000000000000000" pitchFamily="50" charset="-127"/>
+              <a:ea typeface="G마켓 산스 Medium" panose="02000000000000000000" pitchFamily="50" charset="-127"/>
+            </a:endParaRPr>
+          </a:p>
+        </p:txBody>
+      </p:sp>
+      <p:sp>
+        <p:nvSpPr>
+          <p:cNvPr id="51" name="타원 50">
+            <a:extLst>
+              <a:ext uri="{FF2B5EF4-FFF2-40B4-BE49-F238E27FC236}">
+                <a16:creationId xmlns:a16="http://schemas.microsoft.com/office/drawing/2014/main" id="{2A9FB48A-65E7-4FA4-A193-A6F1B7D83BF2}"/>
+              </a:ext>
+            </a:extLst>
+          </p:cNvPr>
+          <p:cNvSpPr/>
+          <p:nvPr/>
+        </p:nvSpPr>
+        <p:spPr>
+          <a:xfrm>
+            <a:off x="8817713" y="5221349"/>
+            <a:ext cx="350864" cy="350864"/>
+          </a:xfrm>
+          <a:prstGeom prst="ellipse">
+            <a:avLst/>
+          </a:prstGeom>
+          <a:solidFill>
+            <a:srgbClr val="0F4B81"/>
+          </a:solidFill>
+          <a:ln>
+            <a:noFill/>
+          </a:ln>
+        </p:spPr>
+        <p:style>
+          <a:lnRef idx="2">
+            <a:schemeClr val="accent1">
+              <a:shade val="50000"/>
+            </a:schemeClr>
+          </a:lnRef>
+          <a:fillRef idx="1">
+            <a:schemeClr val="accent1"/>
+          </a:fillRef>
+          <a:effectRef idx="0">
+            <a:schemeClr val="accent1"/>
+          </a:effectRef>
+          <a:fontRef idx="minor">
+            <a:schemeClr val="lt1"/>
+          </a:fontRef>
+        </p:style>
+        <p:txBody>
+          <a:bodyPr rtlCol="0" anchor="ctr"/>
+          <a:lstStyle/>
+          <a:p>
+            <a:pPr algn="ctr"/>
+            <a:endParaRPr lang="en-US"/>
+          </a:p>
+        </p:txBody>
+      </p:sp>
+      <p:sp>
+        <p:nvSpPr>
+          <p:cNvPr id="52" name="TextBox 51">
+            <a:extLst>
+              <a:ext uri="{FF2B5EF4-FFF2-40B4-BE49-F238E27FC236}">
+                <a16:creationId xmlns:a16="http://schemas.microsoft.com/office/drawing/2014/main" id="{80CE2BF3-ADC8-4576-8638-BA31D0C7A3C8}"/>
+              </a:ext>
+            </a:extLst>
+          </p:cNvPr>
+          <p:cNvSpPr txBox="1"/>
+          <p:nvPr/>
+        </p:nvSpPr>
+        <p:spPr>
+          <a:xfrm>
+            <a:off x="8801426" y="5230484"/>
+            <a:ext cx="383438" cy="313932"/>
+          </a:xfrm>
+          <a:prstGeom prst="rect">
+            <a:avLst/>
+          </a:prstGeom>
+          <a:noFill/>
+        </p:spPr>
+        <p:txBody>
+          <a:bodyPr wrap="none" rtlCol="0">
+            <a:spAutoFit/>
+          </a:bodyPr>
+          <a:lstStyle/>
+          <a:p>
+            <a:pPr algn="ctr">
+              <a:lnSpc>
+                <a:spcPct val="120000"/>
+              </a:lnSpc>
+            </a:pPr>
+            <a:r>
+              <a:rPr lang="en-US" altLang="ko-KR" sz="1200" spc="-50">
+                <a:ln>
+                  <a:solidFill>
+                    <a:schemeClr val="accent1">
+                      <a:alpha val="0"/>
+                    </a:schemeClr>
+                  </a:solidFill>
+                </a:ln>
+                <a:solidFill>
+                  <a:schemeClr val="bg1"/>
+                </a:solidFill>
+                <a:latin typeface="G마켓 산스 Bold" panose="02000000000000000000" pitchFamily="50" charset="-127"/>
+                <a:ea typeface="G마켓 산스 Bold" panose="02000000000000000000" pitchFamily="50" charset="-127"/>
+              </a:rPr>
+              <a:t>02</a:t>
+            </a:r>
+            <a:endParaRPr lang="en-US" altLang="ko-KR" sz="1200" spc="-50" dirty="0">
+              <a:ln>
+                <a:solidFill>
+                  <a:schemeClr val="accent1">
+                    <a:alpha val="0"/>
+                  </a:schemeClr>
+                </a:solidFill>
+              </a:ln>
+              <a:solidFill>
+                <a:schemeClr val="bg1"/>
+              </a:solidFill>
+              <a:latin typeface="G마켓 산스 Bold" panose="02000000000000000000" pitchFamily="50" charset="-127"/>
+              <a:ea typeface="G마켓 산스 Bold" panose="02000000000000000000" pitchFamily="50" charset="-127"/>
+            </a:endParaRPr>
+          </a:p>
+        </p:txBody>
+      </p:sp>
+    </p:spTree>
+    <p:extLst>
+      <p:ext uri="{BB962C8B-B14F-4D97-AF65-F5344CB8AC3E}">
+        <p14:creationId xmlns:p14="http://schemas.microsoft.com/office/powerpoint/2010/main" val="4280127033"/>
+      </p:ext>
+    </p:extLst>
+  </p:cSld>
+  <p:clrMapOvr>
+    <a:masterClrMapping/>
+  </p:clrMapOvr>
+</p:sld>
+</file>
+
+<file path=ppt/slides/slide20.xml><?xml version="1.0" encoding="utf-8"?>
 <p:sld xmlns:a="http://schemas.openxmlformats.org/drawingml/2006/main" xmlns:r="http://schemas.openxmlformats.org/officeDocument/2006/relationships" xmlns:p="http://schemas.openxmlformats.org/presentationml/2006/main">
   <p:cSld>
     <p:spTree>
@@ -14060,7 +13672,7 @@
 </p:sld>
 </file>
 
-<file path=ppt/slides/slide22.xml><?xml version="1.0" encoding="utf-8"?>
+<file path=ppt/slides/slide21.xml><?xml version="1.0" encoding="utf-8"?>
 <p:sld xmlns:a="http://schemas.openxmlformats.org/drawingml/2006/main" xmlns:r="http://schemas.openxmlformats.org/officeDocument/2006/relationships" xmlns:p="http://schemas.openxmlformats.org/presentationml/2006/main">
   <p:cSld>
     <p:spTree>
@@ -15209,7 +14821,7 @@
 </p:sld>
 </file>
 
-<file path=ppt/slides/slide23.xml><?xml version="1.0" encoding="utf-8"?>
+<file path=ppt/slides/slide22.xml><?xml version="1.0" encoding="utf-8"?>
 <p:sld xmlns:a="http://schemas.openxmlformats.org/drawingml/2006/main" xmlns:r="http://schemas.openxmlformats.org/officeDocument/2006/relationships" xmlns:p="http://schemas.openxmlformats.org/presentationml/2006/main">
   <p:cSld>
     <p:spTree>
@@ -15888,7 +15500,7 @@
 </p:sld>
 </file>
 
-<file path=ppt/slides/slide24.xml><?xml version="1.0" encoding="utf-8"?>
+<file path=ppt/slides/slide23.xml><?xml version="1.0" encoding="utf-8"?>
 <p:sld xmlns:a="http://schemas.openxmlformats.org/drawingml/2006/main" xmlns:r="http://schemas.openxmlformats.org/officeDocument/2006/relationships" xmlns:p="http://schemas.openxmlformats.org/presentationml/2006/main">
   <p:cSld>
     <p:spTree>
